--- a/report/figures/methodology.pptx
+++ b/report/figures/methodology.pptx
@@ -7376,8 +7376,8 @@
         </p:nvSpPr>
         <p:spPr>
           <a:xfrm>
-            <a:off x="73891" y="2702362"/>
-            <a:ext cx="5770114" cy="369332"/>
+            <a:off x="3018799" y="2702362"/>
+            <a:ext cx="2167799" cy="230832"/>
           </a:xfrm>
           <a:prstGeom prst="rect">
             <a:avLst/>
@@ -7392,7 +7392,7 @@
           <a:p>
             <a:r>
               <a:rPr lang="en-GB" sz="900" dirty="0"/>
-              <a:t>The amount of scenarios present in subset is determined by their importance (so if an actor cares more about objective A than B, there’ll be more scenarios that don’t meet objective A than B)</a:t>
+              <a:t>80% bad scenarios 20% best + average</a:t>
             </a:r>
           </a:p>
         </p:txBody>
@@ -7411,7 +7411,7 @@
         </p:nvSpPr>
         <p:spPr>
           <a:xfrm>
-            <a:off x="5498702" y="2198760"/>
+            <a:off x="5498702" y="2207149"/>
             <a:ext cx="134449" cy="134449"/>
           </a:xfrm>
           <a:prstGeom prst="ellipse">

--- a/report/figures/methodology.pptx
+++ b/report/figures/methodology.pptx
@@ -10,6 +10,7 @@
     <p:sldId id="259" r:id="rId4"/>
     <p:sldId id="258" r:id="rId5"/>
     <p:sldId id="260" r:id="rId6"/>
+    <p:sldId id="261" r:id="rId7"/>
   </p:sldIdLst>
   <p:sldSz cx="12192000" cy="6858000"/>
   <p:notesSz cx="6858000" cy="9144000"/>
@@ -7411,7 +7412,7 @@
         </p:nvSpPr>
         <p:spPr>
           <a:xfrm>
-            <a:off x="5498702" y="2207149"/>
+            <a:off x="4027300" y="2893973"/>
             <a:ext cx="134449" cy="134449"/>
           </a:xfrm>
           <a:prstGeom prst="ellipse">
@@ -7708,6 +7709,976 @@
     <p:extLst>
       <p:ext uri="{BB962C8B-B14F-4D97-AF65-F5344CB8AC3E}">
         <p14:creationId xmlns:p14="http://schemas.microsoft.com/office/powerpoint/2010/main" val="1694466127"/>
+      </p:ext>
+    </p:extLst>
+  </p:cSld>
+  <p:clrMapOvr>
+    <a:masterClrMapping/>
+  </p:clrMapOvr>
+</p:sld>
+</file>
+
+<file path=ppt/slides/slide6.xml><?xml version="1.0" encoding="utf-8"?>
+<p:sld xmlns:a="http://schemas.openxmlformats.org/drawingml/2006/main" xmlns:r="http://schemas.openxmlformats.org/officeDocument/2006/relationships" xmlns:p="http://schemas.openxmlformats.org/presentationml/2006/main">
+  <p:cSld>
+    <p:spTree>
+      <p:nvGrpSpPr>
+        <p:cNvPr id="1" name=""/>
+        <p:cNvGrpSpPr/>
+        <p:nvPr/>
+      </p:nvGrpSpPr>
+      <p:grpSpPr>
+        <a:xfrm>
+          <a:off x="0" y="0"/>
+          <a:ext cx="0" cy="0"/>
+          <a:chOff x="0" y="0"/>
+          <a:chExt cx="0" cy="0"/>
+        </a:xfrm>
+      </p:grpSpPr>
+      <p:sp>
+        <p:nvSpPr>
+          <p:cNvPr id="4" name="Rectangle: Rounded Corners 3">
+            <a:extLst>
+              <a:ext uri="{FF2B5EF4-FFF2-40B4-BE49-F238E27FC236}">
+                <a16:creationId xmlns:a16="http://schemas.microsoft.com/office/drawing/2014/main" id="{E3A057C4-3755-4332-A1B4-79DDB1E9294E}"/>
+              </a:ext>
+            </a:extLst>
+          </p:cNvPr>
+          <p:cNvSpPr/>
+          <p:nvPr/>
+        </p:nvSpPr>
+        <p:spPr>
+          <a:xfrm>
+            <a:off x="5990754" y="3320191"/>
+            <a:ext cx="2173947" cy="914400"/>
+          </a:xfrm>
+          <a:prstGeom prst="roundRect">
+            <a:avLst/>
+          </a:prstGeom>
+          <a:solidFill>
+            <a:srgbClr val="FF99FF"/>
+          </a:solidFill>
+          <a:ln>
+            <a:solidFill>
+              <a:srgbClr val="FF66FF"/>
+            </a:solidFill>
+          </a:ln>
+        </p:spPr>
+        <p:style>
+          <a:lnRef idx="2">
+            <a:schemeClr val="accent1">
+              <a:shade val="50000"/>
+            </a:schemeClr>
+          </a:lnRef>
+          <a:fillRef idx="1">
+            <a:schemeClr val="accent1"/>
+          </a:fillRef>
+          <a:effectRef idx="0">
+            <a:schemeClr val="accent1"/>
+          </a:effectRef>
+          <a:fontRef idx="minor">
+            <a:schemeClr val="lt1"/>
+          </a:fontRef>
+        </p:style>
+        <p:txBody>
+          <a:bodyPr rtlCol="0" anchor="ctr"/>
+          <a:lstStyle/>
+          <a:p>
+            <a:pPr algn="ctr"/>
+            <a:r>
+              <a:rPr lang="en-GB" dirty="0"/>
+              <a:t>Optimise to get policies</a:t>
+            </a:r>
+          </a:p>
+        </p:txBody>
+      </p:sp>
+      <p:sp>
+        <p:nvSpPr>
+          <p:cNvPr id="6" name="Rectangle: Rounded Corners 5">
+            <a:extLst>
+              <a:ext uri="{FF2B5EF4-FFF2-40B4-BE49-F238E27FC236}">
+                <a16:creationId xmlns:a16="http://schemas.microsoft.com/office/drawing/2014/main" id="{7BC2E0E6-289D-4D84-8001-4B264771F9B0}"/>
+              </a:ext>
+            </a:extLst>
+          </p:cNvPr>
+          <p:cNvSpPr/>
+          <p:nvPr/>
+        </p:nvSpPr>
+        <p:spPr>
+          <a:xfrm>
+            <a:off x="3022356" y="540261"/>
+            <a:ext cx="2173947" cy="914400"/>
+          </a:xfrm>
+          <a:prstGeom prst="roundRect">
+            <a:avLst/>
+          </a:prstGeom>
+          <a:solidFill>
+            <a:srgbClr val="FF99FF"/>
+          </a:solidFill>
+          <a:ln>
+            <a:solidFill>
+              <a:srgbClr val="FF66FF"/>
+            </a:solidFill>
+          </a:ln>
+        </p:spPr>
+        <p:style>
+          <a:lnRef idx="2">
+            <a:schemeClr val="accent1">
+              <a:shade val="50000"/>
+            </a:schemeClr>
+          </a:lnRef>
+          <a:fillRef idx="1">
+            <a:schemeClr val="accent1"/>
+          </a:fillRef>
+          <a:effectRef idx="0">
+            <a:schemeClr val="accent1"/>
+          </a:effectRef>
+          <a:fontRef idx="minor">
+            <a:schemeClr val="lt1"/>
+          </a:fontRef>
+        </p:style>
+        <p:txBody>
+          <a:bodyPr rtlCol="0" anchor="ctr"/>
+          <a:lstStyle/>
+          <a:p>
+            <a:pPr algn="ctr"/>
+            <a:r>
+              <a:rPr lang="en-GB" dirty="0"/>
+              <a:t>Generate scenarios</a:t>
+            </a:r>
+          </a:p>
+        </p:txBody>
+      </p:sp>
+      <p:sp>
+        <p:nvSpPr>
+          <p:cNvPr id="7" name="Rectangle: Rounded Corners 6">
+            <a:extLst>
+              <a:ext uri="{FF2B5EF4-FFF2-40B4-BE49-F238E27FC236}">
+                <a16:creationId xmlns:a16="http://schemas.microsoft.com/office/drawing/2014/main" id="{093A483B-CAB1-4235-B56F-A874793B09B8}"/>
+              </a:ext>
+            </a:extLst>
+          </p:cNvPr>
+          <p:cNvSpPr/>
+          <p:nvPr/>
+        </p:nvSpPr>
+        <p:spPr>
+          <a:xfrm>
+            <a:off x="3018800" y="1805044"/>
+            <a:ext cx="2173947" cy="914400"/>
+          </a:xfrm>
+          <a:prstGeom prst="roundRect">
+            <a:avLst/>
+          </a:prstGeom>
+          <a:solidFill>
+            <a:srgbClr val="FF99FF"/>
+          </a:solidFill>
+          <a:ln>
+            <a:solidFill>
+              <a:srgbClr val="FF66FF"/>
+            </a:solidFill>
+          </a:ln>
+        </p:spPr>
+        <p:style>
+          <a:lnRef idx="2">
+            <a:schemeClr val="accent1">
+              <a:shade val="50000"/>
+            </a:schemeClr>
+          </a:lnRef>
+          <a:fillRef idx="1">
+            <a:schemeClr val="accent1"/>
+          </a:fillRef>
+          <a:effectRef idx="0">
+            <a:schemeClr val="accent1"/>
+          </a:effectRef>
+          <a:fontRef idx="minor">
+            <a:schemeClr val="lt1"/>
+          </a:fontRef>
+        </p:style>
+        <p:txBody>
+          <a:bodyPr rtlCol="0" anchor="ctr"/>
+          <a:lstStyle/>
+          <a:p>
+            <a:pPr algn="ctr"/>
+            <a:r>
+              <a:rPr lang="en-GB" sz="1600" dirty="0"/>
+              <a:t>Identify the most challenging scenarios per objective</a:t>
+            </a:r>
+          </a:p>
+        </p:txBody>
+      </p:sp>
+      <p:sp>
+        <p:nvSpPr>
+          <p:cNvPr id="9" name="Rectangle: Rounded Corners 8">
+            <a:extLst>
+              <a:ext uri="{FF2B5EF4-FFF2-40B4-BE49-F238E27FC236}">
+                <a16:creationId xmlns:a16="http://schemas.microsoft.com/office/drawing/2014/main" id="{C208AF1D-48A0-44E1-B785-6F973A0D34D7}"/>
+              </a:ext>
+            </a:extLst>
+          </p:cNvPr>
+          <p:cNvSpPr/>
+          <p:nvPr/>
+        </p:nvSpPr>
+        <p:spPr>
+          <a:xfrm>
+            <a:off x="5996904" y="1816077"/>
+            <a:ext cx="2173947" cy="914400"/>
+          </a:xfrm>
+          <a:prstGeom prst="roundRect">
+            <a:avLst/>
+          </a:prstGeom>
+          <a:solidFill>
+            <a:srgbClr val="FF99FF"/>
+          </a:solidFill>
+          <a:ln>
+            <a:solidFill>
+              <a:srgbClr val="FF66FF"/>
+            </a:solidFill>
+          </a:ln>
+        </p:spPr>
+        <p:style>
+          <a:lnRef idx="2">
+            <a:schemeClr val="accent1">
+              <a:shade val="50000"/>
+            </a:schemeClr>
+          </a:lnRef>
+          <a:fillRef idx="1">
+            <a:schemeClr val="accent1"/>
+          </a:fillRef>
+          <a:effectRef idx="0">
+            <a:schemeClr val="accent1"/>
+          </a:effectRef>
+          <a:fontRef idx="minor">
+            <a:schemeClr val="lt1"/>
+          </a:fontRef>
+        </p:style>
+        <p:txBody>
+          <a:bodyPr rtlCol="0" anchor="ctr"/>
+          <a:lstStyle/>
+          <a:p>
+            <a:pPr algn="ctr"/>
+            <a:r>
+              <a:rPr lang="en-GB" dirty="0"/>
+              <a:t>Scenario selection</a:t>
+            </a:r>
+          </a:p>
+        </p:txBody>
+      </p:sp>
+      <p:sp>
+        <p:nvSpPr>
+          <p:cNvPr id="10" name="Rectangle: Rounded Corners 9">
+            <a:extLst>
+              <a:ext uri="{FF2B5EF4-FFF2-40B4-BE49-F238E27FC236}">
+                <a16:creationId xmlns:a16="http://schemas.microsoft.com/office/drawing/2014/main" id="{A671B969-CAE0-41DD-95D3-D42E4445ECED}"/>
+              </a:ext>
+            </a:extLst>
+          </p:cNvPr>
+          <p:cNvSpPr/>
+          <p:nvPr/>
+        </p:nvSpPr>
+        <p:spPr>
+          <a:xfrm>
+            <a:off x="4216065" y="5215511"/>
+            <a:ext cx="2173947" cy="914400"/>
+          </a:xfrm>
+          <a:prstGeom prst="roundRect">
+            <a:avLst/>
+          </a:prstGeom>
+          <a:solidFill>
+            <a:srgbClr val="FF99FF"/>
+          </a:solidFill>
+          <a:ln>
+            <a:solidFill>
+              <a:srgbClr val="FF66FF"/>
+            </a:solidFill>
+          </a:ln>
+        </p:spPr>
+        <p:style>
+          <a:lnRef idx="2">
+            <a:schemeClr val="accent1">
+              <a:shade val="50000"/>
+            </a:schemeClr>
+          </a:lnRef>
+          <a:fillRef idx="1">
+            <a:schemeClr val="accent1"/>
+          </a:fillRef>
+          <a:effectRef idx="0">
+            <a:schemeClr val="accent1"/>
+          </a:effectRef>
+          <a:fontRef idx="minor">
+            <a:schemeClr val="lt1"/>
+          </a:fontRef>
+        </p:style>
+        <p:txBody>
+          <a:bodyPr rtlCol="0" anchor="ctr"/>
+          <a:lstStyle/>
+          <a:p>
+            <a:pPr algn="ctr"/>
+            <a:r>
+              <a:rPr lang="en-GB" dirty="0"/>
+              <a:t>Re-evaluate with all formulations</a:t>
+            </a:r>
+          </a:p>
+        </p:txBody>
+      </p:sp>
+      <p:cxnSp>
+        <p:nvCxnSpPr>
+          <p:cNvPr id="14" name="Straight Arrow Connector 13">
+            <a:extLst>
+              <a:ext uri="{FF2B5EF4-FFF2-40B4-BE49-F238E27FC236}">
+                <a16:creationId xmlns:a16="http://schemas.microsoft.com/office/drawing/2014/main" id="{CF797E52-2C10-45A5-B9AC-2D7818119940}"/>
+              </a:ext>
+            </a:extLst>
+          </p:cNvPr>
+          <p:cNvCxnSpPr>
+            <a:cxnSpLocks/>
+            <a:stCxn id="6" idx="3"/>
+            <a:endCxn id="9" idx="1"/>
+          </p:cNvCxnSpPr>
+          <p:nvPr/>
+        </p:nvCxnSpPr>
+        <p:spPr>
+          <a:xfrm>
+            <a:off x="5196303" y="997461"/>
+            <a:ext cx="800601" cy="1275816"/>
+          </a:xfrm>
+          <a:prstGeom prst="straightConnector1">
+            <a:avLst/>
+          </a:prstGeom>
+          <a:ln>
+            <a:solidFill>
+              <a:srgbClr val="FF66FF"/>
+            </a:solidFill>
+            <a:tailEnd type="triangle"/>
+          </a:ln>
+        </p:spPr>
+        <p:style>
+          <a:lnRef idx="1">
+            <a:schemeClr val="accent1"/>
+          </a:lnRef>
+          <a:fillRef idx="0">
+            <a:schemeClr val="accent1"/>
+          </a:fillRef>
+          <a:effectRef idx="0">
+            <a:schemeClr val="accent1"/>
+          </a:effectRef>
+          <a:fontRef idx="minor">
+            <a:schemeClr val="tx1"/>
+          </a:fontRef>
+        </p:style>
+      </p:cxnSp>
+      <p:cxnSp>
+        <p:nvCxnSpPr>
+          <p:cNvPr id="18" name="Straight Arrow Connector 17">
+            <a:extLst>
+              <a:ext uri="{FF2B5EF4-FFF2-40B4-BE49-F238E27FC236}">
+                <a16:creationId xmlns:a16="http://schemas.microsoft.com/office/drawing/2014/main" id="{DAA52BA8-4EE6-438E-A782-65AAAA75A288}"/>
+              </a:ext>
+            </a:extLst>
+          </p:cNvPr>
+          <p:cNvCxnSpPr>
+            <a:cxnSpLocks/>
+            <a:stCxn id="9" idx="2"/>
+            <a:endCxn id="4" idx="0"/>
+          </p:cNvCxnSpPr>
+          <p:nvPr/>
+        </p:nvCxnSpPr>
+        <p:spPr>
+          <a:xfrm flipH="1">
+            <a:off x="7077728" y="2730477"/>
+            <a:ext cx="6150" cy="589714"/>
+          </a:xfrm>
+          <a:prstGeom prst="straightConnector1">
+            <a:avLst/>
+          </a:prstGeom>
+          <a:ln>
+            <a:solidFill>
+              <a:srgbClr val="FF66FF"/>
+            </a:solidFill>
+            <a:tailEnd type="triangle"/>
+          </a:ln>
+        </p:spPr>
+        <p:style>
+          <a:lnRef idx="1">
+            <a:schemeClr val="accent1"/>
+          </a:lnRef>
+          <a:fillRef idx="0">
+            <a:schemeClr val="accent1"/>
+          </a:fillRef>
+          <a:effectRef idx="0">
+            <a:schemeClr val="accent1"/>
+          </a:effectRef>
+          <a:fontRef idx="minor">
+            <a:schemeClr val="tx1"/>
+          </a:fontRef>
+        </p:style>
+      </p:cxnSp>
+      <p:cxnSp>
+        <p:nvCxnSpPr>
+          <p:cNvPr id="20" name="Straight Arrow Connector 19">
+            <a:extLst>
+              <a:ext uri="{FF2B5EF4-FFF2-40B4-BE49-F238E27FC236}">
+                <a16:creationId xmlns:a16="http://schemas.microsoft.com/office/drawing/2014/main" id="{19455701-E97F-435A-A74C-FF42EAD4A8D7}"/>
+              </a:ext>
+            </a:extLst>
+          </p:cNvPr>
+          <p:cNvCxnSpPr>
+            <a:cxnSpLocks/>
+            <a:stCxn id="28" idx="2"/>
+            <a:endCxn id="10" idx="0"/>
+          </p:cNvCxnSpPr>
+          <p:nvPr/>
+        </p:nvCxnSpPr>
+        <p:spPr>
+          <a:xfrm flipH="1">
+            <a:off x="5303039" y="4625797"/>
+            <a:ext cx="1" cy="589714"/>
+          </a:xfrm>
+          <a:prstGeom prst="straightConnector1">
+            <a:avLst/>
+          </a:prstGeom>
+          <a:ln>
+            <a:solidFill>
+              <a:srgbClr val="FF66FF"/>
+            </a:solidFill>
+            <a:tailEnd type="triangle"/>
+          </a:ln>
+        </p:spPr>
+        <p:style>
+          <a:lnRef idx="1">
+            <a:schemeClr val="accent1"/>
+          </a:lnRef>
+          <a:fillRef idx="0">
+            <a:schemeClr val="accent1"/>
+          </a:fillRef>
+          <a:effectRef idx="0">
+            <a:schemeClr val="accent1"/>
+          </a:effectRef>
+          <a:fontRef idx="minor">
+            <a:schemeClr val="tx1"/>
+          </a:fontRef>
+        </p:style>
+      </p:cxnSp>
+      <p:sp>
+        <p:nvSpPr>
+          <p:cNvPr id="28" name="Rectangle: Rounded Corners 27">
+            <a:extLst>
+              <a:ext uri="{FF2B5EF4-FFF2-40B4-BE49-F238E27FC236}">
+                <a16:creationId xmlns:a16="http://schemas.microsoft.com/office/drawing/2014/main" id="{63F53F9E-6AAC-41B9-8D6B-1F8E67B5E5E7}"/>
+              </a:ext>
+            </a:extLst>
+          </p:cNvPr>
+          <p:cNvSpPr/>
+          <p:nvPr/>
+        </p:nvSpPr>
+        <p:spPr>
+          <a:xfrm>
+            <a:off x="2057697" y="0"/>
+            <a:ext cx="6490685" cy="4625797"/>
+          </a:xfrm>
+          <a:prstGeom prst="roundRect">
+            <a:avLst/>
+          </a:prstGeom>
+          <a:noFill/>
+          <a:ln>
+            <a:solidFill>
+              <a:srgbClr val="FF66FF"/>
+            </a:solidFill>
+          </a:ln>
+        </p:spPr>
+        <p:style>
+          <a:lnRef idx="2">
+            <a:schemeClr val="accent1">
+              <a:shade val="50000"/>
+            </a:schemeClr>
+          </a:lnRef>
+          <a:fillRef idx="1">
+            <a:schemeClr val="accent1"/>
+          </a:fillRef>
+          <a:effectRef idx="0">
+            <a:schemeClr val="accent1"/>
+          </a:effectRef>
+          <a:fontRef idx="minor">
+            <a:schemeClr val="lt1"/>
+          </a:fontRef>
+        </p:style>
+        <p:txBody>
+          <a:bodyPr rtlCol="0" anchor="ctr"/>
+          <a:lstStyle/>
+          <a:p>
+            <a:pPr algn="ctr"/>
+            <a:endParaRPr lang="en-GB"/>
+          </a:p>
+        </p:txBody>
+      </p:sp>
+      <p:sp>
+        <p:nvSpPr>
+          <p:cNvPr id="29" name="TextBox 28">
+            <a:extLst>
+              <a:ext uri="{FF2B5EF4-FFF2-40B4-BE49-F238E27FC236}">
+                <a16:creationId xmlns:a16="http://schemas.microsoft.com/office/drawing/2014/main" id="{25E1C85C-A466-4328-BA7A-3B578ABB6B64}"/>
+              </a:ext>
+            </a:extLst>
+          </p:cNvPr>
+          <p:cNvSpPr txBox="1"/>
+          <p:nvPr/>
+        </p:nvSpPr>
+        <p:spPr>
+          <a:xfrm>
+            <a:off x="2655957" y="-10423"/>
+            <a:ext cx="2059666" cy="369332"/>
+          </a:xfrm>
+          <a:prstGeom prst="rect">
+            <a:avLst/>
+          </a:prstGeom>
+          <a:noFill/>
+        </p:spPr>
+        <p:txBody>
+          <a:bodyPr wrap="none" rtlCol="0">
+            <a:spAutoFit/>
+          </a:bodyPr>
+          <a:lstStyle/>
+          <a:p>
+            <a:r>
+              <a:rPr lang="en-GB" dirty="0">
+                <a:solidFill>
+                  <a:srgbClr val="FF66FF"/>
+                </a:solidFill>
+              </a:rPr>
+              <a:t>For </a:t>
+            </a:r>
+            <a:r>
+              <a:rPr lang="en-GB" dirty="0" err="1">
+                <a:solidFill>
+                  <a:srgbClr val="FF66FF"/>
+                </a:solidFill>
+              </a:rPr>
+              <a:t>i</a:t>
+            </a:r>
+            <a:r>
+              <a:rPr lang="en-GB" dirty="0">
+                <a:solidFill>
+                  <a:srgbClr val="FF66FF"/>
+                </a:solidFill>
+              </a:rPr>
+              <a:t> in actor frames</a:t>
+            </a:r>
+          </a:p>
+        </p:txBody>
+      </p:sp>
+      <p:sp>
+        <p:nvSpPr>
+          <p:cNvPr id="36" name="Rectangle: Rounded Corners 35">
+            <a:extLst>
+              <a:ext uri="{FF2B5EF4-FFF2-40B4-BE49-F238E27FC236}">
+                <a16:creationId xmlns:a16="http://schemas.microsoft.com/office/drawing/2014/main" id="{EC7979F9-E0CC-4BD6-B314-9EF6B07233C4}"/>
+              </a:ext>
+            </a:extLst>
+          </p:cNvPr>
+          <p:cNvSpPr/>
+          <p:nvPr/>
+        </p:nvSpPr>
+        <p:spPr>
+          <a:xfrm>
+            <a:off x="2940327" y="3331665"/>
+            <a:ext cx="2173947" cy="914400"/>
+          </a:xfrm>
+          <a:prstGeom prst="roundRect">
+            <a:avLst/>
+          </a:prstGeom>
+          <a:solidFill>
+            <a:srgbClr val="FF99FF"/>
+          </a:solidFill>
+          <a:ln>
+            <a:solidFill>
+              <a:srgbClr val="FF66FF"/>
+            </a:solidFill>
+          </a:ln>
+        </p:spPr>
+        <p:style>
+          <a:lnRef idx="2">
+            <a:schemeClr val="accent1">
+              <a:shade val="50000"/>
+            </a:schemeClr>
+          </a:lnRef>
+          <a:fillRef idx="1">
+            <a:schemeClr val="accent1"/>
+          </a:fillRef>
+          <a:effectRef idx="0">
+            <a:schemeClr val="accent1"/>
+          </a:effectRef>
+          <a:fontRef idx="minor">
+            <a:schemeClr val="lt1"/>
+          </a:fontRef>
+        </p:style>
+        <p:txBody>
+          <a:bodyPr rtlCol="0" anchor="ctr"/>
+          <a:lstStyle/>
+          <a:p>
+            <a:pPr algn="ctr"/>
+            <a:r>
+              <a:rPr lang="en-GB" dirty="0"/>
+              <a:t>Sensitivity analysis</a:t>
+            </a:r>
+          </a:p>
+        </p:txBody>
+      </p:sp>
+      <p:cxnSp>
+        <p:nvCxnSpPr>
+          <p:cNvPr id="43" name="Straight Arrow Connector 42">
+            <a:extLst>
+              <a:ext uri="{FF2B5EF4-FFF2-40B4-BE49-F238E27FC236}">
+                <a16:creationId xmlns:a16="http://schemas.microsoft.com/office/drawing/2014/main" id="{27329A8A-4C26-409E-8394-123011A73D5D}"/>
+              </a:ext>
+            </a:extLst>
+          </p:cNvPr>
+          <p:cNvCxnSpPr>
+            <a:cxnSpLocks/>
+            <a:stCxn id="4" idx="1"/>
+            <a:endCxn id="36" idx="3"/>
+          </p:cNvCxnSpPr>
+          <p:nvPr/>
+        </p:nvCxnSpPr>
+        <p:spPr>
+          <a:xfrm flipH="1">
+            <a:off x="5114274" y="3777391"/>
+            <a:ext cx="876480" cy="11474"/>
+          </a:xfrm>
+          <a:prstGeom prst="straightConnector1">
+            <a:avLst/>
+          </a:prstGeom>
+          <a:ln>
+            <a:solidFill>
+              <a:srgbClr val="FF66FF"/>
+            </a:solidFill>
+            <a:tailEnd type="triangle"/>
+          </a:ln>
+        </p:spPr>
+        <p:style>
+          <a:lnRef idx="1">
+            <a:schemeClr val="accent1"/>
+          </a:lnRef>
+          <a:fillRef idx="0">
+            <a:schemeClr val="accent1"/>
+          </a:fillRef>
+          <a:effectRef idx="0">
+            <a:schemeClr val="accent1"/>
+          </a:effectRef>
+          <a:fontRef idx="minor">
+            <a:schemeClr val="tx1"/>
+          </a:fontRef>
+        </p:style>
+      </p:cxnSp>
+      <p:sp>
+        <p:nvSpPr>
+          <p:cNvPr id="25" name="Oval 24">
+            <a:extLst>
+              <a:ext uri="{FF2B5EF4-FFF2-40B4-BE49-F238E27FC236}">
+                <a16:creationId xmlns:a16="http://schemas.microsoft.com/office/drawing/2014/main" id="{184FA239-D677-42E5-879D-43C88C3D9066}"/>
+              </a:ext>
+            </a:extLst>
+          </p:cNvPr>
+          <p:cNvSpPr/>
+          <p:nvPr/>
+        </p:nvSpPr>
+        <p:spPr>
+          <a:xfrm>
+            <a:off x="4105773" y="2774860"/>
+            <a:ext cx="134449" cy="134449"/>
+          </a:xfrm>
+          <a:prstGeom prst="ellipse">
+            <a:avLst/>
+          </a:prstGeom>
+          <a:solidFill>
+            <a:schemeClr val="accent1">
+              <a:lumMod val="60000"/>
+              <a:lumOff val="40000"/>
+            </a:schemeClr>
+          </a:solidFill>
+          <a:ln>
+            <a:noFill/>
+          </a:ln>
+        </p:spPr>
+        <p:style>
+          <a:lnRef idx="2">
+            <a:schemeClr val="accent1">
+              <a:shade val="50000"/>
+            </a:schemeClr>
+          </a:lnRef>
+          <a:fillRef idx="1">
+            <a:schemeClr val="accent1"/>
+          </a:fillRef>
+          <a:effectRef idx="0">
+            <a:schemeClr val="accent1"/>
+          </a:effectRef>
+          <a:fontRef idx="minor">
+            <a:schemeClr val="lt1"/>
+          </a:fontRef>
+        </p:style>
+        <p:txBody>
+          <a:bodyPr rtlCol="0" anchor="ctr"/>
+          <a:lstStyle/>
+          <a:p>
+            <a:pPr algn="ctr"/>
+            <a:endParaRPr lang="en-GB"/>
+          </a:p>
+        </p:txBody>
+      </p:sp>
+      <p:sp>
+        <p:nvSpPr>
+          <p:cNvPr id="26" name="Oval 25">
+            <a:extLst>
+              <a:ext uri="{FF2B5EF4-FFF2-40B4-BE49-F238E27FC236}">
+                <a16:creationId xmlns:a16="http://schemas.microsoft.com/office/drawing/2014/main" id="{BB79387F-BDB1-48D1-AA54-7E8354CDF0E8}"/>
+              </a:ext>
+            </a:extLst>
+          </p:cNvPr>
+          <p:cNvSpPr/>
+          <p:nvPr/>
+        </p:nvSpPr>
+        <p:spPr>
+          <a:xfrm>
+            <a:off x="5485289" y="3720825"/>
+            <a:ext cx="134449" cy="134449"/>
+          </a:xfrm>
+          <a:prstGeom prst="ellipse">
+            <a:avLst/>
+          </a:prstGeom>
+          <a:solidFill>
+            <a:schemeClr val="accent1">
+              <a:lumMod val="60000"/>
+              <a:lumOff val="40000"/>
+            </a:schemeClr>
+          </a:solidFill>
+          <a:ln>
+            <a:noFill/>
+          </a:ln>
+        </p:spPr>
+        <p:style>
+          <a:lnRef idx="2">
+            <a:schemeClr val="accent1">
+              <a:shade val="50000"/>
+            </a:schemeClr>
+          </a:lnRef>
+          <a:fillRef idx="1">
+            <a:schemeClr val="accent1"/>
+          </a:fillRef>
+          <a:effectRef idx="0">
+            <a:schemeClr val="accent1"/>
+          </a:effectRef>
+          <a:fontRef idx="minor">
+            <a:schemeClr val="lt1"/>
+          </a:fontRef>
+        </p:style>
+        <p:txBody>
+          <a:bodyPr rtlCol="0" anchor="ctr"/>
+          <a:lstStyle/>
+          <a:p>
+            <a:pPr algn="ctr"/>
+            <a:endParaRPr lang="en-GB"/>
+          </a:p>
+        </p:txBody>
+      </p:sp>
+      <p:sp>
+        <p:nvSpPr>
+          <p:cNvPr id="27" name="Oval 26">
+            <a:extLst>
+              <a:ext uri="{FF2B5EF4-FFF2-40B4-BE49-F238E27FC236}">
+                <a16:creationId xmlns:a16="http://schemas.microsoft.com/office/drawing/2014/main" id="{A1709015-0DE1-48D5-AE16-551A542FA87E}"/>
+              </a:ext>
+            </a:extLst>
+          </p:cNvPr>
+          <p:cNvSpPr/>
+          <p:nvPr/>
+        </p:nvSpPr>
+        <p:spPr>
+          <a:xfrm>
+            <a:off x="2553146" y="3723068"/>
+            <a:ext cx="134449" cy="134449"/>
+          </a:xfrm>
+          <a:prstGeom prst="ellipse">
+            <a:avLst/>
+          </a:prstGeom>
+          <a:solidFill>
+            <a:schemeClr val="accent1">
+              <a:lumMod val="60000"/>
+              <a:lumOff val="40000"/>
+            </a:schemeClr>
+          </a:solidFill>
+          <a:ln>
+            <a:noFill/>
+          </a:ln>
+        </p:spPr>
+        <p:style>
+          <a:lnRef idx="2">
+            <a:schemeClr val="accent1">
+              <a:shade val="50000"/>
+            </a:schemeClr>
+          </a:lnRef>
+          <a:fillRef idx="1">
+            <a:schemeClr val="accent1"/>
+          </a:fillRef>
+          <a:effectRef idx="0">
+            <a:schemeClr val="accent1"/>
+          </a:effectRef>
+          <a:fontRef idx="minor">
+            <a:schemeClr val="lt1"/>
+          </a:fontRef>
+        </p:style>
+        <p:txBody>
+          <a:bodyPr rtlCol="0" anchor="ctr"/>
+          <a:lstStyle/>
+          <a:p>
+            <a:pPr algn="ctr"/>
+            <a:endParaRPr lang="en-GB"/>
+          </a:p>
+        </p:txBody>
+      </p:sp>
+      <p:sp>
+        <p:nvSpPr>
+          <p:cNvPr id="38" name="TextBox 37">
+            <a:extLst>
+              <a:ext uri="{FF2B5EF4-FFF2-40B4-BE49-F238E27FC236}">
+                <a16:creationId xmlns:a16="http://schemas.microsoft.com/office/drawing/2014/main" id="{97CF9F02-B681-40D3-800D-F6D4B8B83BBE}"/>
+              </a:ext>
+            </a:extLst>
+          </p:cNvPr>
+          <p:cNvSpPr txBox="1"/>
+          <p:nvPr/>
+        </p:nvSpPr>
+        <p:spPr>
+          <a:xfrm>
+            <a:off x="3018800" y="313374"/>
+            <a:ext cx="1620312" cy="369332"/>
+          </a:xfrm>
+          <a:prstGeom prst="rect">
+            <a:avLst/>
+          </a:prstGeom>
+          <a:noFill/>
+        </p:spPr>
+        <p:txBody>
+          <a:bodyPr wrap="square" rtlCol="0">
+            <a:spAutoFit/>
+          </a:bodyPr>
+          <a:lstStyle/>
+          <a:p>
+            <a:r>
+              <a:rPr lang="en-GB" sz="900" dirty="0"/>
+              <a:t>n = 30.000, planning step 1?</a:t>
+            </a:r>
+          </a:p>
+          <a:p>
+            <a:pPr marL="228600" indent="-228600">
+              <a:buAutoNum type="arabicPeriod"/>
+            </a:pPr>
+            <a:endParaRPr lang="en-GB" sz="900" dirty="0"/>
+          </a:p>
+        </p:txBody>
+      </p:sp>
+      <p:cxnSp>
+        <p:nvCxnSpPr>
+          <p:cNvPr id="17" name="Straight Arrow Connector 16">
+            <a:extLst>
+              <a:ext uri="{FF2B5EF4-FFF2-40B4-BE49-F238E27FC236}">
+                <a16:creationId xmlns:a16="http://schemas.microsoft.com/office/drawing/2014/main" id="{94E72AD0-1D35-41D7-9897-202DC2FCCFF6}"/>
+              </a:ext>
+            </a:extLst>
+          </p:cNvPr>
+          <p:cNvCxnSpPr>
+            <a:cxnSpLocks/>
+            <a:stCxn id="6" idx="2"/>
+            <a:endCxn id="7" idx="0"/>
+          </p:cNvCxnSpPr>
+          <p:nvPr/>
+        </p:nvCxnSpPr>
+        <p:spPr>
+          <a:xfrm flipH="1">
+            <a:off x="4105774" y="1454661"/>
+            <a:ext cx="3556" cy="350383"/>
+          </a:xfrm>
+          <a:prstGeom prst="straightConnector1">
+            <a:avLst/>
+          </a:prstGeom>
+          <a:ln>
+            <a:solidFill>
+              <a:srgbClr val="FF66FF"/>
+            </a:solidFill>
+            <a:tailEnd type="triangle"/>
+          </a:ln>
+        </p:spPr>
+        <p:style>
+          <a:lnRef idx="1">
+            <a:schemeClr val="accent1"/>
+          </a:lnRef>
+          <a:fillRef idx="0">
+            <a:schemeClr val="accent1"/>
+          </a:fillRef>
+          <a:effectRef idx="0">
+            <a:schemeClr val="accent1"/>
+          </a:effectRef>
+          <a:fontRef idx="minor">
+            <a:schemeClr val="tx1"/>
+          </a:fontRef>
+        </p:style>
+      </p:cxnSp>
+      <p:sp>
+        <p:nvSpPr>
+          <p:cNvPr id="2" name="Oval 1">
+            <a:extLst>
+              <a:ext uri="{FF2B5EF4-FFF2-40B4-BE49-F238E27FC236}">
+                <a16:creationId xmlns:a16="http://schemas.microsoft.com/office/drawing/2014/main" id="{71BF168E-5851-454A-922C-1F9D8C5400AF}"/>
+              </a:ext>
+            </a:extLst>
+          </p:cNvPr>
+          <p:cNvSpPr/>
+          <p:nvPr/>
+        </p:nvSpPr>
+        <p:spPr>
+          <a:xfrm>
+            <a:off x="4046937" y="1539455"/>
+            <a:ext cx="134449" cy="134449"/>
+          </a:xfrm>
+          <a:prstGeom prst="ellipse">
+            <a:avLst/>
+          </a:prstGeom>
+          <a:solidFill>
+            <a:schemeClr val="accent1">
+              <a:lumMod val="60000"/>
+              <a:lumOff val="40000"/>
+            </a:schemeClr>
+          </a:solidFill>
+          <a:ln>
+            <a:noFill/>
+          </a:ln>
+        </p:spPr>
+        <p:style>
+          <a:lnRef idx="2">
+            <a:schemeClr val="accent1">
+              <a:shade val="50000"/>
+            </a:schemeClr>
+          </a:lnRef>
+          <a:fillRef idx="1">
+            <a:schemeClr val="accent1"/>
+          </a:fillRef>
+          <a:effectRef idx="0">
+            <a:schemeClr val="accent1"/>
+          </a:effectRef>
+          <a:fontRef idx="minor">
+            <a:schemeClr val="lt1"/>
+          </a:fontRef>
+        </p:style>
+        <p:txBody>
+          <a:bodyPr rtlCol="0" anchor="ctr"/>
+          <a:lstStyle/>
+          <a:p>
+            <a:pPr algn="ctr"/>
+            <a:endParaRPr lang="en-GB"/>
+          </a:p>
+        </p:txBody>
+      </p:sp>
+    </p:spTree>
+    <p:extLst>
+      <p:ext uri="{BB962C8B-B14F-4D97-AF65-F5344CB8AC3E}">
+        <p14:creationId xmlns:p14="http://schemas.microsoft.com/office/powerpoint/2010/main" val="3826335303"/>
       </p:ext>
     </p:extLst>
   </p:cSld>

--- a/report/figures/methodology.pptx
+++ b/report/figures/methodology.pptx
@@ -7412,7 +7412,7 @@
         </p:nvSpPr>
         <p:spPr>
           <a:xfrm>
-            <a:off x="4027300" y="2893973"/>
+            <a:off x="5527121" y="2212005"/>
             <a:ext cx="134449" cy="134449"/>
           </a:xfrm>
           <a:prstGeom prst="ellipse">
@@ -7593,7 +7593,7 @@
           <a:p>
             <a:r>
               <a:rPr lang="en-GB" sz="900" dirty="0"/>
-              <a:t>n = 30.000, planning step 1?</a:t>
+              <a:t>n = 30.000, planning step 1</a:t>
             </a:r>
           </a:p>
           <a:p>
@@ -7664,7 +7664,7 @@
         </p:nvSpPr>
         <p:spPr>
           <a:xfrm>
-            <a:off x="4046937" y="1539455"/>
+            <a:off x="4047635" y="1527687"/>
             <a:ext cx="134449" cy="134449"/>
           </a:xfrm>
           <a:prstGeom prst="ellipse">

--- a/report/figures/methodology.pptx
+++ b/report/figures/methodology.pptx
@@ -11,6 +11,7 @@
     <p:sldId id="258" r:id="rId5"/>
     <p:sldId id="260" r:id="rId6"/>
     <p:sldId id="261" r:id="rId7"/>
+    <p:sldId id="262" r:id="rId8"/>
   </p:sldIdLst>
   <p:sldSz cx="12192000" cy="6858000"/>
   <p:notesSz cx="6858000" cy="9144000"/>
@@ -266,7 +267,7 @@
           <a:p>
             <a:fld id="{D918C84F-5000-4BD5-98FC-FEF3364E41FE}" type="datetimeFigureOut">
               <a:rPr lang="en-GB" smtClean="0"/>
-              <a:t>07/06/2021</a:t>
+              <a:t>17/06/2021</a:t>
             </a:fld>
             <a:endParaRPr lang="en-GB"/>
           </a:p>
@@ -466,7 +467,7 @@
           <a:p>
             <a:fld id="{D918C84F-5000-4BD5-98FC-FEF3364E41FE}" type="datetimeFigureOut">
               <a:rPr lang="en-GB" smtClean="0"/>
-              <a:t>07/06/2021</a:t>
+              <a:t>17/06/2021</a:t>
             </a:fld>
             <a:endParaRPr lang="en-GB"/>
           </a:p>
@@ -676,7 +677,7 @@
           <a:p>
             <a:fld id="{D918C84F-5000-4BD5-98FC-FEF3364E41FE}" type="datetimeFigureOut">
               <a:rPr lang="en-GB" smtClean="0"/>
-              <a:t>07/06/2021</a:t>
+              <a:t>17/06/2021</a:t>
             </a:fld>
             <a:endParaRPr lang="en-GB"/>
           </a:p>
@@ -876,7 +877,7 @@
           <a:p>
             <a:fld id="{D918C84F-5000-4BD5-98FC-FEF3364E41FE}" type="datetimeFigureOut">
               <a:rPr lang="en-GB" smtClean="0"/>
-              <a:t>07/06/2021</a:t>
+              <a:t>17/06/2021</a:t>
             </a:fld>
             <a:endParaRPr lang="en-GB"/>
           </a:p>
@@ -1152,7 +1153,7 @@
           <a:p>
             <a:fld id="{D918C84F-5000-4BD5-98FC-FEF3364E41FE}" type="datetimeFigureOut">
               <a:rPr lang="en-GB" smtClean="0"/>
-              <a:t>07/06/2021</a:t>
+              <a:t>17/06/2021</a:t>
             </a:fld>
             <a:endParaRPr lang="en-GB"/>
           </a:p>
@@ -1420,7 +1421,7 @@
           <a:p>
             <a:fld id="{D918C84F-5000-4BD5-98FC-FEF3364E41FE}" type="datetimeFigureOut">
               <a:rPr lang="en-GB" smtClean="0"/>
-              <a:t>07/06/2021</a:t>
+              <a:t>17/06/2021</a:t>
             </a:fld>
             <a:endParaRPr lang="en-GB"/>
           </a:p>
@@ -1835,7 +1836,7 @@
           <a:p>
             <a:fld id="{D918C84F-5000-4BD5-98FC-FEF3364E41FE}" type="datetimeFigureOut">
               <a:rPr lang="en-GB" smtClean="0"/>
-              <a:t>07/06/2021</a:t>
+              <a:t>17/06/2021</a:t>
             </a:fld>
             <a:endParaRPr lang="en-GB"/>
           </a:p>
@@ -1977,7 +1978,7 @@
           <a:p>
             <a:fld id="{D918C84F-5000-4BD5-98FC-FEF3364E41FE}" type="datetimeFigureOut">
               <a:rPr lang="en-GB" smtClean="0"/>
-              <a:t>07/06/2021</a:t>
+              <a:t>17/06/2021</a:t>
             </a:fld>
             <a:endParaRPr lang="en-GB"/>
           </a:p>
@@ -2090,7 +2091,7 @@
           <a:p>
             <a:fld id="{D918C84F-5000-4BD5-98FC-FEF3364E41FE}" type="datetimeFigureOut">
               <a:rPr lang="en-GB" smtClean="0"/>
-              <a:t>07/06/2021</a:t>
+              <a:t>17/06/2021</a:t>
             </a:fld>
             <a:endParaRPr lang="en-GB"/>
           </a:p>
@@ -2403,7 +2404,7 @@
           <a:p>
             <a:fld id="{D918C84F-5000-4BD5-98FC-FEF3364E41FE}" type="datetimeFigureOut">
               <a:rPr lang="en-GB" smtClean="0"/>
-              <a:t>07/06/2021</a:t>
+              <a:t>17/06/2021</a:t>
             </a:fld>
             <a:endParaRPr lang="en-GB"/>
           </a:p>
@@ -2692,7 +2693,7 @@
           <a:p>
             <a:fld id="{D918C84F-5000-4BD5-98FC-FEF3364E41FE}" type="datetimeFigureOut">
               <a:rPr lang="en-GB" smtClean="0"/>
-              <a:t>07/06/2021</a:t>
+              <a:t>17/06/2021</a:t>
             </a:fld>
             <a:endParaRPr lang="en-GB"/>
           </a:p>
@@ -2935,7 +2936,7 @@
           <a:p>
             <a:fld id="{D918C84F-5000-4BD5-98FC-FEF3364E41FE}" type="datetimeFigureOut">
               <a:rPr lang="en-GB" smtClean="0"/>
-              <a:t>07/06/2021</a:t>
+              <a:t>17/06/2021</a:t>
             </a:fld>
             <a:endParaRPr lang="en-GB"/>
           </a:p>
@@ -8688,6 +8689,1528 @@
 </p:sld>
 </file>
 
+<file path=ppt/slides/slide7.xml><?xml version="1.0" encoding="utf-8"?>
+<p:sld xmlns:a="http://schemas.openxmlformats.org/drawingml/2006/main" xmlns:r="http://schemas.openxmlformats.org/officeDocument/2006/relationships" xmlns:p="http://schemas.openxmlformats.org/presentationml/2006/main">
+  <p:cSld>
+    <p:spTree>
+      <p:nvGrpSpPr>
+        <p:cNvPr id="1" name=""/>
+        <p:cNvGrpSpPr/>
+        <p:nvPr/>
+      </p:nvGrpSpPr>
+      <p:grpSpPr>
+        <a:xfrm>
+          <a:off x="0" y="0"/>
+          <a:ext cx="0" cy="0"/>
+          <a:chOff x="0" y="0"/>
+          <a:chExt cx="0" cy="0"/>
+        </a:xfrm>
+      </p:grpSpPr>
+      <p:cxnSp>
+        <p:nvCxnSpPr>
+          <p:cNvPr id="92" name="Straight Arrow Connector 91">
+            <a:extLst>
+              <a:ext uri="{FF2B5EF4-FFF2-40B4-BE49-F238E27FC236}">
+                <a16:creationId xmlns:a16="http://schemas.microsoft.com/office/drawing/2014/main" id="{82B01EFC-BA35-42C6-848F-03272E1EA7BA}"/>
+              </a:ext>
+            </a:extLst>
+          </p:cNvPr>
+          <p:cNvCxnSpPr>
+            <a:cxnSpLocks/>
+          </p:cNvCxnSpPr>
+          <p:nvPr/>
+        </p:nvCxnSpPr>
+        <p:spPr>
+          <a:xfrm>
+            <a:off x="1460500" y="1324559"/>
+            <a:ext cx="1659854" cy="0"/>
+          </a:xfrm>
+          <a:prstGeom prst="straightConnector1">
+            <a:avLst/>
+          </a:prstGeom>
+          <a:ln>
+            <a:solidFill>
+              <a:srgbClr val="FF66FF"/>
+            </a:solidFill>
+            <a:tailEnd type="triangle"/>
+          </a:ln>
+        </p:spPr>
+        <p:style>
+          <a:lnRef idx="1">
+            <a:schemeClr val="accent1"/>
+          </a:lnRef>
+          <a:fillRef idx="0">
+            <a:schemeClr val="accent1"/>
+          </a:fillRef>
+          <a:effectRef idx="0">
+            <a:schemeClr val="accent1"/>
+          </a:effectRef>
+          <a:fontRef idx="minor">
+            <a:schemeClr val="tx1"/>
+          </a:fontRef>
+        </p:style>
+      </p:cxnSp>
+      <p:cxnSp>
+        <p:nvCxnSpPr>
+          <p:cNvPr id="59" name="Straight Arrow Connector 58">
+            <a:extLst>
+              <a:ext uri="{FF2B5EF4-FFF2-40B4-BE49-F238E27FC236}">
+                <a16:creationId xmlns:a16="http://schemas.microsoft.com/office/drawing/2014/main" id="{DE2A8EF4-521D-455B-A69C-1DF1CE809BB2}"/>
+              </a:ext>
+            </a:extLst>
+          </p:cNvPr>
+          <p:cNvCxnSpPr>
+            <a:cxnSpLocks/>
+          </p:cNvCxnSpPr>
+          <p:nvPr/>
+        </p:nvCxnSpPr>
+        <p:spPr>
+          <a:xfrm flipH="1">
+            <a:off x="3828570" y="3236787"/>
+            <a:ext cx="640928" cy="6422"/>
+          </a:xfrm>
+          <a:prstGeom prst="straightConnector1">
+            <a:avLst/>
+          </a:prstGeom>
+          <a:ln>
+            <a:solidFill>
+              <a:srgbClr val="FF66FF"/>
+            </a:solidFill>
+            <a:tailEnd type="triangle"/>
+          </a:ln>
+        </p:spPr>
+        <p:style>
+          <a:lnRef idx="1">
+            <a:schemeClr val="accent1"/>
+          </a:lnRef>
+          <a:fillRef idx="0">
+            <a:schemeClr val="accent1"/>
+          </a:fillRef>
+          <a:effectRef idx="0">
+            <a:schemeClr val="accent1"/>
+          </a:effectRef>
+          <a:fontRef idx="minor">
+            <a:schemeClr val="tx1"/>
+          </a:fontRef>
+        </p:style>
+      </p:cxnSp>
+      <p:cxnSp>
+        <p:nvCxnSpPr>
+          <p:cNvPr id="32" name="Straight Arrow Connector 31">
+            <a:extLst>
+              <a:ext uri="{FF2B5EF4-FFF2-40B4-BE49-F238E27FC236}">
+                <a16:creationId xmlns:a16="http://schemas.microsoft.com/office/drawing/2014/main" id="{D7F052BB-10B2-4498-A817-131223CB90E3}"/>
+              </a:ext>
+            </a:extLst>
+          </p:cNvPr>
+          <p:cNvCxnSpPr>
+            <a:cxnSpLocks/>
+          </p:cNvCxnSpPr>
+          <p:nvPr/>
+        </p:nvCxnSpPr>
+        <p:spPr>
+          <a:xfrm>
+            <a:off x="4196567" y="1678063"/>
+            <a:ext cx="903344" cy="0"/>
+          </a:xfrm>
+          <a:prstGeom prst="straightConnector1">
+            <a:avLst/>
+          </a:prstGeom>
+          <a:ln>
+            <a:solidFill>
+              <a:srgbClr val="FF66FF"/>
+            </a:solidFill>
+            <a:tailEnd type="triangle"/>
+          </a:ln>
+        </p:spPr>
+        <p:style>
+          <a:lnRef idx="1">
+            <a:schemeClr val="accent1"/>
+          </a:lnRef>
+          <a:fillRef idx="0">
+            <a:schemeClr val="accent1"/>
+          </a:fillRef>
+          <a:effectRef idx="0">
+            <a:schemeClr val="accent1"/>
+          </a:effectRef>
+          <a:fontRef idx="minor">
+            <a:schemeClr val="tx1"/>
+          </a:fontRef>
+        </p:style>
+      </p:cxnSp>
+      <p:cxnSp>
+        <p:nvCxnSpPr>
+          <p:cNvPr id="40" name="Straight Arrow Connector 39">
+            <a:extLst>
+              <a:ext uri="{FF2B5EF4-FFF2-40B4-BE49-F238E27FC236}">
+                <a16:creationId xmlns:a16="http://schemas.microsoft.com/office/drawing/2014/main" id="{E43ADA3E-9C48-4556-8E97-196DE4817E70}"/>
+              </a:ext>
+            </a:extLst>
+          </p:cNvPr>
+          <p:cNvCxnSpPr>
+            <a:cxnSpLocks/>
+          </p:cNvCxnSpPr>
+          <p:nvPr/>
+        </p:nvCxnSpPr>
+        <p:spPr>
+          <a:xfrm>
+            <a:off x="3725566" y="1122556"/>
+            <a:ext cx="1226371" cy="0"/>
+          </a:xfrm>
+          <a:prstGeom prst="straightConnector1">
+            <a:avLst/>
+          </a:prstGeom>
+          <a:ln>
+            <a:solidFill>
+              <a:srgbClr val="FF66FF"/>
+            </a:solidFill>
+            <a:tailEnd type="triangle"/>
+          </a:ln>
+        </p:spPr>
+        <p:style>
+          <a:lnRef idx="1">
+            <a:schemeClr val="accent1"/>
+          </a:lnRef>
+          <a:fillRef idx="0">
+            <a:schemeClr val="accent1"/>
+          </a:fillRef>
+          <a:effectRef idx="0">
+            <a:schemeClr val="accent1"/>
+          </a:effectRef>
+          <a:fontRef idx="minor">
+            <a:schemeClr val="tx1"/>
+          </a:fontRef>
+        </p:style>
+      </p:cxnSp>
+      <p:sp>
+        <p:nvSpPr>
+          <p:cNvPr id="4" name="Rectangle: Rounded Corners 3">
+            <a:extLst>
+              <a:ext uri="{FF2B5EF4-FFF2-40B4-BE49-F238E27FC236}">
+                <a16:creationId xmlns:a16="http://schemas.microsoft.com/office/drawing/2014/main" id="{E3A057C4-3755-4332-A1B4-79DDB1E9294E}"/>
+              </a:ext>
+            </a:extLst>
+          </p:cNvPr>
+          <p:cNvSpPr/>
+          <p:nvPr/>
+        </p:nvSpPr>
+        <p:spPr>
+          <a:xfrm>
+            <a:off x="7173096" y="2727578"/>
+            <a:ext cx="2173947" cy="914400"/>
+          </a:xfrm>
+          <a:prstGeom prst="roundRect">
+            <a:avLst/>
+          </a:prstGeom>
+          <a:solidFill>
+            <a:srgbClr val="FF99FF"/>
+          </a:solidFill>
+          <a:ln>
+            <a:solidFill>
+              <a:srgbClr val="FF66FF"/>
+            </a:solidFill>
+          </a:ln>
+        </p:spPr>
+        <p:style>
+          <a:lnRef idx="2">
+            <a:schemeClr val="accent1">
+              <a:shade val="50000"/>
+            </a:schemeClr>
+          </a:lnRef>
+          <a:fillRef idx="1">
+            <a:schemeClr val="accent1"/>
+          </a:fillRef>
+          <a:effectRef idx="0">
+            <a:schemeClr val="accent1"/>
+          </a:effectRef>
+          <a:fontRef idx="minor">
+            <a:schemeClr val="lt1"/>
+          </a:fontRef>
+        </p:style>
+        <p:txBody>
+          <a:bodyPr rtlCol="0" anchor="ctr"/>
+          <a:lstStyle/>
+          <a:p>
+            <a:pPr algn="ctr"/>
+            <a:r>
+              <a:rPr lang="en-GB" dirty="0"/>
+              <a:t>Optimise to get policies</a:t>
+            </a:r>
+          </a:p>
+        </p:txBody>
+      </p:sp>
+      <p:sp>
+        <p:nvSpPr>
+          <p:cNvPr id="6" name="Rectangle: Rounded Corners 5">
+            <a:extLst>
+              <a:ext uri="{FF2B5EF4-FFF2-40B4-BE49-F238E27FC236}">
+                <a16:creationId xmlns:a16="http://schemas.microsoft.com/office/drawing/2014/main" id="{7BC2E0E6-289D-4D84-8001-4B264771F9B0}"/>
+              </a:ext>
+            </a:extLst>
+          </p:cNvPr>
+          <p:cNvSpPr/>
+          <p:nvPr/>
+        </p:nvSpPr>
+        <p:spPr>
+          <a:xfrm>
+            <a:off x="3123911" y="877991"/>
+            <a:ext cx="1226372" cy="893136"/>
+          </a:xfrm>
+          <a:prstGeom prst="roundRect">
+            <a:avLst/>
+          </a:prstGeom>
+          <a:solidFill>
+            <a:srgbClr val="FF99FF"/>
+          </a:solidFill>
+          <a:ln>
+            <a:solidFill>
+              <a:srgbClr val="FF66FF"/>
+            </a:solidFill>
+          </a:ln>
+        </p:spPr>
+        <p:style>
+          <a:lnRef idx="2">
+            <a:schemeClr val="accent1">
+              <a:shade val="50000"/>
+            </a:schemeClr>
+          </a:lnRef>
+          <a:fillRef idx="1">
+            <a:schemeClr val="accent1"/>
+          </a:fillRef>
+          <a:effectRef idx="0">
+            <a:schemeClr val="accent1"/>
+          </a:effectRef>
+          <a:fontRef idx="minor">
+            <a:schemeClr val="lt1"/>
+          </a:fontRef>
+        </p:style>
+        <p:txBody>
+          <a:bodyPr rtlCol="0" anchor="ctr"/>
+          <a:lstStyle/>
+          <a:p>
+            <a:pPr algn="ctr"/>
+            <a:r>
+              <a:rPr lang="en-GB" dirty="0"/>
+              <a:t>Generate scenarios</a:t>
+            </a:r>
+          </a:p>
+        </p:txBody>
+      </p:sp>
+      <p:sp>
+        <p:nvSpPr>
+          <p:cNvPr id="7" name="Rectangle: Rounded Corners 6">
+            <a:extLst>
+              <a:ext uri="{FF2B5EF4-FFF2-40B4-BE49-F238E27FC236}">
+                <a16:creationId xmlns:a16="http://schemas.microsoft.com/office/drawing/2014/main" id="{093A483B-CAB1-4235-B56F-A874793B09B8}"/>
+              </a:ext>
+            </a:extLst>
+          </p:cNvPr>
+          <p:cNvSpPr/>
+          <p:nvPr/>
+        </p:nvSpPr>
+        <p:spPr>
+          <a:xfrm>
+            <a:off x="4990037" y="561620"/>
+            <a:ext cx="1527646" cy="893139"/>
+          </a:xfrm>
+          <a:prstGeom prst="roundRect">
+            <a:avLst/>
+          </a:prstGeom>
+          <a:solidFill>
+            <a:srgbClr val="FF99FF"/>
+          </a:solidFill>
+          <a:ln>
+            <a:solidFill>
+              <a:srgbClr val="FF66FF"/>
+            </a:solidFill>
+          </a:ln>
+        </p:spPr>
+        <p:style>
+          <a:lnRef idx="2">
+            <a:schemeClr val="accent1">
+              <a:shade val="50000"/>
+            </a:schemeClr>
+          </a:lnRef>
+          <a:fillRef idx="1">
+            <a:schemeClr val="accent1"/>
+          </a:fillRef>
+          <a:effectRef idx="0">
+            <a:schemeClr val="accent1"/>
+          </a:effectRef>
+          <a:fontRef idx="minor">
+            <a:schemeClr val="lt1"/>
+          </a:fontRef>
+        </p:style>
+        <p:txBody>
+          <a:bodyPr rtlCol="0" anchor="ctr"/>
+          <a:lstStyle/>
+          <a:p>
+            <a:pPr algn="ctr"/>
+            <a:r>
+              <a:rPr lang="en-GB" dirty="0"/>
+              <a:t>Uncertainty analysis</a:t>
+            </a:r>
+          </a:p>
+        </p:txBody>
+      </p:sp>
+      <p:sp>
+        <p:nvSpPr>
+          <p:cNvPr id="9" name="Rectangle: Rounded Corners 8">
+            <a:extLst>
+              <a:ext uri="{FF2B5EF4-FFF2-40B4-BE49-F238E27FC236}">
+                <a16:creationId xmlns:a16="http://schemas.microsoft.com/office/drawing/2014/main" id="{C208AF1D-48A0-44E1-B785-6F973A0D34D7}"/>
+              </a:ext>
+            </a:extLst>
+          </p:cNvPr>
+          <p:cNvSpPr/>
+          <p:nvPr/>
+        </p:nvSpPr>
+        <p:spPr>
+          <a:xfrm>
+            <a:off x="7173097" y="1008189"/>
+            <a:ext cx="2173947" cy="914400"/>
+          </a:xfrm>
+          <a:prstGeom prst="roundRect">
+            <a:avLst/>
+          </a:prstGeom>
+          <a:solidFill>
+            <a:srgbClr val="FF99FF"/>
+          </a:solidFill>
+          <a:ln>
+            <a:solidFill>
+              <a:srgbClr val="FF66FF"/>
+            </a:solidFill>
+          </a:ln>
+        </p:spPr>
+        <p:style>
+          <a:lnRef idx="2">
+            <a:schemeClr val="accent1">
+              <a:shade val="50000"/>
+            </a:schemeClr>
+          </a:lnRef>
+          <a:fillRef idx="1">
+            <a:schemeClr val="accent1"/>
+          </a:fillRef>
+          <a:effectRef idx="0">
+            <a:schemeClr val="accent1"/>
+          </a:effectRef>
+          <a:fontRef idx="minor">
+            <a:schemeClr val="lt1"/>
+          </a:fontRef>
+        </p:style>
+        <p:txBody>
+          <a:bodyPr rtlCol="0" anchor="ctr"/>
+          <a:lstStyle/>
+          <a:p>
+            <a:pPr algn="ctr"/>
+            <a:r>
+              <a:rPr lang="en-GB" dirty="0"/>
+              <a:t>Scenario selection</a:t>
+            </a:r>
+          </a:p>
+        </p:txBody>
+      </p:sp>
+      <p:sp>
+        <p:nvSpPr>
+          <p:cNvPr id="10" name="Rectangle: Rounded Corners 9">
+            <a:extLst>
+              <a:ext uri="{FF2B5EF4-FFF2-40B4-BE49-F238E27FC236}">
+                <a16:creationId xmlns:a16="http://schemas.microsoft.com/office/drawing/2014/main" id="{A671B969-CAE0-41DD-95D3-D42E4445ECED}"/>
+              </a:ext>
+            </a:extLst>
+          </p:cNvPr>
+          <p:cNvSpPr/>
+          <p:nvPr/>
+        </p:nvSpPr>
+        <p:spPr>
+          <a:xfrm>
+            <a:off x="3109593" y="5446125"/>
+            <a:ext cx="2173947" cy="914400"/>
+          </a:xfrm>
+          <a:prstGeom prst="roundRect">
+            <a:avLst/>
+          </a:prstGeom>
+          <a:solidFill>
+            <a:srgbClr val="FF99FF"/>
+          </a:solidFill>
+          <a:ln>
+            <a:solidFill>
+              <a:srgbClr val="FF66FF"/>
+            </a:solidFill>
+          </a:ln>
+        </p:spPr>
+        <p:style>
+          <a:lnRef idx="2">
+            <a:schemeClr val="accent1">
+              <a:shade val="50000"/>
+            </a:schemeClr>
+          </a:lnRef>
+          <a:fillRef idx="1">
+            <a:schemeClr val="accent1"/>
+          </a:fillRef>
+          <a:effectRef idx="0">
+            <a:schemeClr val="accent1"/>
+          </a:effectRef>
+          <a:fontRef idx="minor">
+            <a:schemeClr val="lt1"/>
+          </a:fontRef>
+        </p:style>
+        <p:txBody>
+          <a:bodyPr rtlCol="0" anchor="ctr"/>
+          <a:lstStyle/>
+          <a:p>
+            <a:pPr algn="ctr"/>
+            <a:r>
+              <a:rPr lang="en-GB" dirty="0"/>
+              <a:t>Re-evaluate with other formulations</a:t>
+            </a:r>
+          </a:p>
+        </p:txBody>
+      </p:sp>
+      <p:cxnSp>
+        <p:nvCxnSpPr>
+          <p:cNvPr id="18" name="Straight Arrow Connector 17">
+            <a:extLst>
+              <a:ext uri="{FF2B5EF4-FFF2-40B4-BE49-F238E27FC236}">
+                <a16:creationId xmlns:a16="http://schemas.microsoft.com/office/drawing/2014/main" id="{DAA52BA8-4EE6-438E-A782-65AAAA75A288}"/>
+              </a:ext>
+            </a:extLst>
+          </p:cNvPr>
+          <p:cNvCxnSpPr>
+            <a:cxnSpLocks/>
+            <a:stCxn id="24" idx="3"/>
+            <a:endCxn id="9" idx="1"/>
+          </p:cNvCxnSpPr>
+          <p:nvPr/>
+        </p:nvCxnSpPr>
+        <p:spPr>
+          <a:xfrm flipV="1">
+            <a:off x="6291026" y="1465389"/>
+            <a:ext cx="882071" cy="519389"/>
+          </a:xfrm>
+          <a:prstGeom prst="straightConnector1">
+            <a:avLst/>
+          </a:prstGeom>
+          <a:ln>
+            <a:solidFill>
+              <a:srgbClr val="FF66FF"/>
+            </a:solidFill>
+            <a:tailEnd type="triangle"/>
+          </a:ln>
+        </p:spPr>
+        <p:style>
+          <a:lnRef idx="1">
+            <a:schemeClr val="accent1"/>
+          </a:lnRef>
+          <a:fillRef idx="0">
+            <a:schemeClr val="accent1"/>
+          </a:fillRef>
+          <a:effectRef idx="0">
+            <a:schemeClr val="accent1"/>
+          </a:effectRef>
+          <a:fontRef idx="minor">
+            <a:schemeClr val="tx1"/>
+          </a:fontRef>
+        </p:style>
+      </p:cxnSp>
+      <p:cxnSp>
+        <p:nvCxnSpPr>
+          <p:cNvPr id="20" name="Straight Arrow Connector 19">
+            <a:extLst>
+              <a:ext uri="{FF2B5EF4-FFF2-40B4-BE49-F238E27FC236}">
+                <a16:creationId xmlns:a16="http://schemas.microsoft.com/office/drawing/2014/main" id="{19455701-E97F-435A-A74C-FF42EAD4A8D7}"/>
+              </a:ext>
+            </a:extLst>
+          </p:cNvPr>
+          <p:cNvCxnSpPr>
+            <a:cxnSpLocks/>
+            <a:endCxn id="10" idx="0"/>
+          </p:cNvCxnSpPr>
+          <p:nvPr/>
+        </p:nvCxnSpPr>
+        <p:spPr>
+          <a:xfrm flipH="1">
+            <a:off x="4196567" y="4926207"/>
+            <a:ext cx="1" cy="519918"/>
+          </a:xfrm>
+          <a:prstGeom prst="straightConnector1">
+            <a:avLst/>
+          </a:prstGeom>
+          <a:ln>
+            <a:solidFill>
+              <a:srgbClr val="FF66FF"/>
+            </a:solidFill>
+            <a:tailEnd type="triangle"/>
+          </a:ln>
+        </p:spPr>
+        <p:style>
+          <a:lnRef idx="1">
+            <a:schemeClr val="accent1"/>
+          </a:lnRef>
+          <a:fillRef idx="0">
+            <a:schemeClr val="accent1"/>
+          </a:fillRef>
+          <a:effectRef idx="0">
+            <a:schemeClr val="accent1"/>
+          </a:effectRef>
+          <a:fontRef idx="minor">
+            <a:schemeClr val="tx1"/>
+          </a:fontRef>
+        </p:style>
+      </p:cxnSp>
+      <p:sp>
+        <p:nvSpPr>
+          <p:cNvPr id="28" name="Rectangle: Rounded Corners 27">
+            <a:extLst>
+              <a:ext uri="{FF2B5EF4-FFF2-40B4-BE49-F238E27FC236}">
+                <a16:creationId xmlns:a16="http://schemas.microsoft.com/office/drawing/2014/main" id="{63F53F9E-6AAC-41B9-8D6B-1F8E67B5E5E7}"/>
+              </a:ext>
+            </a:extLst>
+          </p:cNvPr>
+          <p:cNvSpPr/>
+          <p:nvPr/>
+        </p:nvSpPr>
+        <p:spPr>
+          <a:xfrm>
+            <a:off x="1625600" y="286938"/>
+            <a:ext cx="8089901" cy="4625797"/>
+          </a:xfrm>
+          <a:prstGeom prst="roundRect">
+            <a:avLst/>
+          </a:prstGeom>
+          <a:noFill/>
+          <a:ln>
+            <a:solidFill>
+              <a:srgbClr val="FF66FF"/>
+            </a:solidFill>
+          </a:ln>
+        </p:spPr>
+        <p:style>
+          <a:lnRef idx="2">
+            <a:schemeClr val="accent1">
+              <a:shade val="50000"/>
+            </a:schemeClr>
+          </a:lnRef>
+          <a:fillRef idx="1">
+            <a:schemeClr val="accent1"/>
+          </a:fillRef>
+          <a:effectRef idx="0">
+            <a:schemeClr val="accent1"/>
+          </a:effectRef>
+          <a:fontRef idx="minor">
+            <a:schemeClr val="lt1"/>
+          </a:fontRef>
+        </p:style>
+        <p:txBody>
+          <a:bodyPr rtlCol="0" anchor="ctr"/>
+          <a:lstStyle/>
+          <a:p>
+            <a:pPr algn="ctr"/>
+            <a:endParaRPr lang="en-GB"/>
+          </a:p>
+        </p:txBody>
+      </p:sp>
+      <p:sp>
+        <p:nvSpPr>
+          <p:cNvPr id="29" name="TextBox 28">
+            <a:extLst>
+              <a:ext uri="{FF2B5EF4-FFF2-40B4-BE49-F238E27FC236}">
+                <a16:creationId xmlns:a16="http://schemas.microsoft.com/office/drawing/2014/main" id="{25E1C85C-A466-4328-BA7A-3B578ABB6B64}"/>
+              </a:ext>
+            </a:extLst>
+          </p:cNvPr>
+          <p:cNvSpPr txBox="1"/>
+          <p:nvPr/>
+        </p:nvSpPr>
+        <p:spPr>
+          <a:xfrm>
+            <a:off x="1943777" y="331505"/>
+            <a:ext cx="2048446" cy="369332"/>
+          </a:xfrm>
+          <a:prstGeom prst="rect">
+            <a:avLst/>
+          </a:prstGeom>
+          <a:noFill/>
+        </p:spPr>
+        <p:txBody>
+          <a:bodyPr wrap="none" rtlCol="0">
+            <a:spAutoFit/>
+          </a:bodyPr>
+          <a:lstStyle/>
+          <a:p>
+            <a:r>
+              <a:rPr lang="en-GB" dirty="0">
+                <a:solidFill>
+                  <a:srgbClr val="FF66FF"/>
+                </a:solidFill>
+              </a:rPr>
+              <a:t>For all actor frames</a:t>
+            </a:r>
+          </a:p>
+        </p:txBody>
+      </p:sp>
+      <p:sp>
+        <p:nvSpPr>
+          <p:cNvPr id="36" name="Rectangle: Rounded Corners 35">
+            <a:extLst>
+              <a:ext uri="{FF2B5EF4-FFF2-40B4-BE49-F238E27FC236}">
+                <a16:creationId xmlns:a16="http://schemas.microsoft.com/office/drawing/2014/main" id="{EC7979F9-E0CC-4BD6-B314-9EF6B07233C4}"/>
+              </a:ext>
+            </a:extLst>
+          </p:cNvPr>
+          <p:cNvSpPr/>
+          <p:nvPr/>
+        </p:nvSpPr>
+        <p:spPr>
+          <a:xfrm>
+            <a:off x="4358221" y="2734000"/>
+            <a:ext cx="2173947" cy="914400"/>
+          </a:xfrm>
+          <a:prstGeom prst="roundRect">
+            <a:avLst/>
+          </a:prstGeom>
+          <a:solidFill>
+            <a:srgbClr val="FF99FF"/>
+          </a:solidFill>
+          <a:ln>
+            <a:solidFill>
+              <a:srgbClr val="FF66FF"/>
+            </a:solidFill>
+          </a:ln>
+        </p:spPr>
+        <p:style>
+          <a:lnRef idx="2">
+            <a:schemeClr val="accent1">
+              <a:shade val="50000"/>
+            </a:schemeClr>
+          </a:lnRef>
+          <a:fillRef idx="1">
+            <a:schemeClr val="accent1"/>
+          </a:fillRef>
+          <a:effectRef idx="0">
+            <a:schemeClr val="accent1"/>
+          </a:effectRef>
+          <a:fontRef idx="minor">
+            <a:schemeClr val="lt1"/>
+          </a:fontRef>
+        </p:style>
+        <p:txBody>
+          <a:bodyPr rtlCol="0" anchor="ctr"/>
+          <a:lstStyle/>
+          <a:p>
+            <a:pPr algn="ctr"/>
+            <a:r>
+              <a:rPr lang="en-GB" dirty="0"/>
+              <a:t>Re-evaluation under deep-uncertainty</a:t>
+            </a:r>
+          </a:p>
+        </p:txBody>
+      </p:sp>
+      <p:cxnSp>
+        <p:nvCxnSpPr>
+          <p:cNvPr id="43" name="Straight Arrow Connector 42">
+            <a:extLst>
+              <a:ext uri="{FF2B5EF4-FFF2-40B4-BE49-F238E27FC236}">
+                <a16:creationId xmlns:a16="http://schemas.microsoft.com/office/drawing/2014/main" id="{27329A8A-4C26-409E-8394-123011A73D5D}"/>
+              </a:ext>
+            </a:extLst>
+          </p:cNvPr>
+          <p:cNvCxnSpPr>
+            <a:cxnSpLocks/>
+            <a:stCxn id="4" idx="1"/>
+            <a:endCxn id="36" idx="3"/>
+          </p:cNvCxnSpPr>
+          <p:nvPr/>
+        </p:nvCxnSpPr>
+        <p:spPr>
+          <a:xfrm flipH="1">
+            <a:off x="6532168" y="3184778"/>
+            <a:ext cx="640928" cy="6422"/>
+          </a:xfrm>
+          <a:prstGeom prst="straightConnector1">
+            <a:avLst/>
+          </a:prstGeom>
+          <a:ln>
+            <a:solidFill>
+              <a:srgbClr val="FF66FF"/>
+            </a:solidFill>
+            <a:tailEnd type="triangle"/>
+          </a:ln>
+        </p:spPr>
+        <p:style>
+          <a:lnRef idx="1">
+            <a:schemeClr val="accent1"/>
+          </a:lnRef>
+          <a:fillRef idx="0">
+            <a:schemeClr val="accent1"/>
+          </a:fillRef>
+          <a:effectRef idx="0">
+            <a:schemeClr val="accent1"/>
+          </a:effectRef>
+          <a:fontRef idx="minor">
+            <a:schemeClr val="tx1"/>
+          </a:fontRef>
+        </p:style>
+      </p:cxnSp>
+      <p:sp>
+        <p:nvSpPr>
+          <p:cNvPr id="38" name="TextBox 37">
+            <a:extLst>
+              <a:ext uri="{FF2B5EF4-FFF2-40B4-BE49-F238E27FC236}">
+                <a16:creationId xmlns:a16="http://schemas.microsoft.com/office/drawing/2014/main" id="{97CF9F02-B681-40D3-800D-F6D4B8B83BBE}"/>
+              </a:ext>
+            </a:extLst>
+          </p:cNvPr>
+          <p:cNvSpPr txBox="1"/>
+          <p:nvPr/>
+        </p:nvSpPr>
+        <p:spPr>
+          <a:xfrm>
+            <a:off x="3120354" y="651104"/>
+            <a:ext cx="1620312" cy="276999"/>
+          </a:xfrm>
+          <a:prstGeom prst="rect">
+            <a:avLst/>
+          </a:prstGeom>
+          <a:noFill/>
+        </p:spPr>
+        <p:txBody>
+          <a:bodyPr wrap="square" rtlCol="0">
+            <a:spAutoFit/>
+          </a:bodyPr>
+          <a:lstStyle/>
+          <a:p>
+            <a:r>
+              <a:rPr lang="en-GB" sz="1200" dirty="0"/>
+              <a:t>50.000 experiments</a:t>
+            </a:r>
+          </a:p>
+        </p:txBody>
+      </p:sp>
+      <p:sp>
+        <p:nvSpPr>
+          <p:cNvPr id="24" name="Rectangle: Rounded Corners 23">
+            <a:extLst>
+              <a:ext uri="{FF2B5EF4-FFF2-40B4-BE49-F238E27FC236}">
+                <a16:creationId xmlns:a16="http://schemas.microsoft.com/office/drawing/2014/main" id="{9BA78C5C-46F8-4CD1-8194-787AA85CD781}"/>
+              </a:ext>
+            </a:extLst>
+          </p:cNvPr>
+          <p:cNvSpPr/>
+          <p:nvPr/>
+        </p:nvSpPr>
+        <p:spPr>
+          <a:xfrm>
+            <a:off x="5099911" y="1527578"/>
+            <a:ext cx="1191115" cy="914400"/>
+          </a:xfrm>
+          <a:prstGeom prst="roundRect">
+            <a:avLst/>
+          </a:prstGeom>
+          <a:solidFill>
+            <a:srgbClr val="FF99FF"/>
+          </a:solidFill>
+          <a:ln>
+            <a:solidFill>
+              <a:srgbClr val="FF66FF"/>
+            </a:solidFill>
+          </a:ln>
+        </p:spPr>
+        <p:style>
+          <a:lnRef idx="2">
+            <a:schemeClr val="accent1">
+              <a:shade val="50000"/>
+            </a:schemeClr>
+          </a:lnRef>
+          <a:fillRef idx="1">
+            <a:schemeClr val="accent1"/>
+          </a:fillRef>
+          <a:effectRef idx="0">
+            <a:schemeClr val="accent1"/>
+          </a:effectRef>
+          <a:fontRef idx="minor">
+            <a:schemeClr val="lt1"/>
+          </a:fontRef>
+        </p:style>
+        <p:txBody>
+          <a:bodyPr rtlCol="0" anchor="ctr"/>
+          <a:lstStyle/>
+          <a:p>
+            <a:pPr algn="ctr"/>
+            <a:r>
+              <a:rPr lang="en-GB" dirty="0"/>
+              <a:t>Scenario discovery</a:t>
+            </a:r>
+          </a:p>
+        </p:txBody>
+      </p:sp>
+      <p:cxnSp>
+        <p:nvCxnSpPr>
+          <p:cNvPr id="48" name="Straight Arrow Connector 47">
+            <a:extLst>
+              <a:ext uri="{FF2B5EF4-FFF2-40B4-BE49-F238E27FC236}">
+                <a16:creationId xmlns:a16="http://schemas.microsoft.com/office/drawing/2014/main" id="{89AB3183-3B5D-459D-9DD8-8D4D11D5E689}"/>
+              </a:ext>
+            </a:extLst>
+          </p:cNvPr>
+          <p:cNvCxnSpPr>
+            <a:cxnSpLocks/>
+            <a:stCxn id="7" idx="3"/>
+            <a:endCxn id="9" idx="1"/>
+          </p:cNvCxnSpPr>
+          <p:nvPr/>
+        </p:nvCxnSpPr>
+        <p:spPr>
+          <a:xfrm>
+            <a:off x="6517683" y="1008190"/>
+            <a:ext cx="655414" cy="457199"/>
+          </a:xfrm>
+          <a:prstGeom prst="straightConnector1">
+            <a:avLst/>
+          </a:prstGeom>
+          <a:ln>
+            <a:solidFill>
+              <a:srgbClr val="FF66FF"/>
+            </a:solidFill>
+            <a:tailEnd type="triangle"/>
+          </a:ln>
+        </p:spPr>
+        <p:style>
+          <a:lnRef idx="1">
+            <a:schemeClr val="accent1"/>
+          </a:lnRef>
+          <a:fillRef idx="0">
+            <a:schemeClr val="accent1"/>
+          </a:fillRef>
+          <a:effectRef idx="0">
+            <a:schemeClr val="accent1"/>
+          </a:effectRef>
+          <a:fontRef idx="minor">
+            <a:schemeClr val="tx1"/>
+          </a:fontRef>
+        </p:style>
+      </p:cxnSp>
+      <p:cxnSp>
+        <p:nvCxnSpPr>
+          <p:cNvPr id="51" name="Straight Arrow Connector 50">
+            <a:extLst>
+              <a:ext uri="{FF2B5EF4-FFF2-40B4-BE49-F238E27FC236}">
+                <a16:creationId xmlns:a16="http://schemas.microsoft.com/office/drawing/2014/main" id="{6351C2D6-F41A-4F08-B7D2-682730EED43F}"/>
+              </a:ext>
+            </a:extLst>
+          </p:cNvPr>
+          <p:cNvCxnSpPr>
+            <a:cxnSpLocks/>
+            <a:stCxn id="9" idx="2"/>
+            <a:endCxn id="4" idx="0"/>
+          </p:cNvCxnSpPr>
+          <p:nvPr/>
+        </p:nvCxnSpPr>
+        <p:spPr>
+          <a:xfrm flipH="1">
+            <a:off x="8260070" y="1922589"/>
+            <a:ext cx="1" cy="804989"/>
+          </a:xfrm>
+          <a:prstGeom prst="straightConnector1">
+            <a:avLst/>
+          </a:prstGeom>
+          <a:ln>
+            <a:solidFill>
+              <a:srgbClr val="FF66FF"/>
+            </a:solidFill>
+            <a:tailEnd type="triangle"/>
+          </a:ln>
+        </p:spPr>
+        <p:style>
+          <a:lnRef idx="1">
+            <a:schemeClr val="accent1"/>
+          </a:lnRef>
+          <a:fillRef idx="0">
+            <a:schemeClr val="accent1"/>
+          </a:fillRef>
+          <a:effectRef idx="0">
+            <a:schemeClr val="accent1"/>
+          </a:effectRef>
+          <a:fontRef idx="minor">
+            <a:schemeClr val="tx1"/>
+          </a:fontRef>
+        </p:style>
+      </p:cxnSp>
+      <p:sp>
+        <p:nvSpPr>
+          <p:cNvPr id="58" name="Rectangle: Rounded Corners 57">
+            <a:extLst>
+              <a:ext uri="{FF2B5EF4-FFF2-40B4-BE49-F238E27FC236}">
+                <a16:creationId xmlns:a16="http://schemas.microsoft.com/office/drawing/2014/main" id="{14666470-5D91-43BA-84B0-A868251B4B37}"/>
+              </a:ext>
+            </a:extLst>
+          </p:cNvPr>
+          <p:cNvSpPr/>
+          <p:nvPr/>
+        </p:nvSpPr>
+        <p:spPr>
+          <a:xfrm>
+            <a:off x="2026379" y="2734000"/>
+            <a:ext cx="1814744" cy="914400"/>
+          </a:xfrm>
+          <a:prstGeom prst="roundRect">
+            <a:avLst/>
+          </a:prstGeom>
+          <a:solidFill>
+            <a:srgbClr val="FF99FF"/>
+          </a:solidFill>
+          <a:ln>
+            <a:solidFill>
+              <a:srgbClr val="FF66FF"/>
+            </a:solidFill>
+          </a:ln>
+        </p:spPr>
+        <p:style>
+          <a:lnRef idx="2">
+            <a:schemeClr val="accent1">
+              <a:shade val="50000"/>
+            </a:schemeClr>
+          </a:lnRef>
+          <a:fillRef idx="1">
+            <a:schemeClr val="accent1"/>
+          </a:fillRef>
+          <a:effectRef idx="0">
+            <a:schemeClr val="accent1"/>
+          </a:effectRef>
+          <a:fontRef idx="minor">
+            <a:schemeClr val="lt1"/>
+          </a:fontRef>
+        </p:style>
+        <p:txBody>
+          <a:bodyPr rtlCol="0" anchor="ctr"/>
+          <a:lstStyle/>
+          <a:p>
+            <a:pPr algn="ctr"/>
+            <a:r>
+              <a:rPr lang="en-GB" dirty="0"/>
+              <a:t>Get a subset of policies</a:t>
+            </a:r>
+          </a:p>
+        </p:txBody>
+      </p:sp>
+      <p:sp>
+        <p:nvSpPr>
+          <p:cNvPr id="61" name="Rectangle: Rounded Corners 60">
+            <a:extLst>
+              <a:ext uri="{FF2B5EF4-FFF2-40B4-BE49-F238E27FC236}">
+                <a16:creationId xmlns:a16="http://schemas.microsoft.com/office/drawing/2014/main" id="{810EA094-DB9D-4732-ADD6-C446DF46A41D}"/>
+              </a:ext>
+            </a:extLst>
+          </p:cNvPr>
+          <p:cNvSpPr/>
+          <p:nvPr/>
+        </p:nvSpPr>
+        <p:spPr>
+          <a:xfrm>
+            <a:off x="2026526" y="3886957"/>
+            <a:ext cx="1814744" cy="914400"/>
+          </a:xfrm>
+          <a:prstGeom prst="roundRect">
+            <a:avLst/>
+          </a:prstGeom>
+          <a:solidFill>
+            <a:srgbClr val="FF99FF"/>
+          </a:solidFill>
+          <a:ln>
+            <a:solidFill>
+              <a:srgbClr val="FF66FF"/>
+            </a:solidFill>
+          </a:ln>
+        </p:spPr>
+        <p:style>
+          <a:lnRef idx="2">
+            <a:schemeClr val="accent1">
+              <a:shade val="50000"/>
+            </a:schemeClr>
+          </a:lnRef>
+          <a:fillRef idx="1">
+            <a:schemeClr val="accent1"/>
+          </a:fillRef>
+          <a:effectRef idx="0">
+            <a:schemeClr val="accent1"/>
+          </a:effectRef>
+          <a:fontRef idx="minor">
+            <a:schemeClr val="lt1"/>
+          </a:fontRef>
+        </p:style>
+        <p:txBody>
+          <a:bodyPr rtlCol="0" anchor="ctr"/>
+          <a:lstStyle/>
+          <a:p>
+            <a:pPr algn="ctr"/>
+            <a:r>
+              <a:rPr lang="en-GB" dirty="0"/>
+              <a:t>Robustness Analysis</a:t>
+            </a:r>
+          </a:p>
+        </p:txBody>
+      </p:sp>
+      <p:sp>
+        <p:nvSpPr>
+          <p:cNvPr id="63" name="Rectangle: Rounded Corners 62">
+            <a:extLst>
+              <a:ext uri="{FF2B5EF4-FFF2-40B4-BE49-F238E27FC236}">
+                <a16:creationId xmlns:a16="http://schemas.microsoft.com/office/drawing/2014/main" id="{A8839D2C-DC60-447B-A186-7E547F83E564}"/>
+              </a:ext>
+            </a:extLst>
+          </p:cNvPr>
+          <p:cNvSpPr/>
+          <p:nvPr/>
+        </p:nvSpPr>
+        <p:spPr>
+          <a:xfrm>
+            <a:off x="4970228" y="3897084"/>
+            <a:ext cx="1527646" cy="893139"/>
+          </a:xfrm>
+          <a:prstGeom prst="roundRect">
+            <a:avLst/>
+          </a:prstGeom>
+          <a:solidFill>
+            <a:srgbClr val="FF99FF"/>
+          </a:solidFill>
+          <a:ln>
+            <a:solidFill>
+              <a:srgbClr val="FF66FF"/>
+            </a:solidFill>
+          </a:ln>
+        </p:spPr>
+        <p:style>
+          <a:lnRef idx="2">
+            <a:schemeClr val="accent1">
+              <a:shade val="50000"/>
+            </a:schemeClr>
+          </a:lnRef>
+          <a:fillRef idx="1">
+            <a:schemeClr val="accent1"/>
+          </a:fillRef>
+          <a:effectRef idx="0">
+            <a:schemeClr val="accent1"/>
+          </a:effectRef>
+          <a:fontRef idx="minor">
+            <a:schemeClr val="lt1"/>
+          </a:fontRef>
+        </p:style>
+        <p:txBody>
+          <a:bodyPr rtlCol="0" anchor="ctr"/>
+          <a:lstStyle/>
+          <a:p>
+            <a:pPr algn="ctr"/>
+            <a:r>
+              <a:rPr lang="en-GB" dirty="0"/>
+              <a:t>Uncertainty analysis</a:t>
+            </a:r>
+          </a:p>
+        </p:txBody>
+      </p:sp>
+      <p:cxnSp>
+        <p:nvCxnSpPr>
+          <p:cNvPr id="64" name="Straight Arrow Connector 63">
+            <a:extLst>
+              <a:ext uri="{FF2B5EF4-FFF2-40B4-BE49-F238E27FC236}">
+                <a16:creationId xmlns:a16="http://schemas.microsoft.com/office/drawing/2014/main" id="{D3015F83-105D-4653-A9E7-915DFDC85631}"/>
+              </a:ext>
+            </a:extLst>
+          </p:cNvPr>
+          <p:cNvCxnSpPr>
+            <a:cxnSpLocks/>
+            <a:stCxn id="58" idx="2"/>
+            <a:endCxn id="61" idx="0"/>
+          </p:cNvCxnSpPr>
+          <p:nvPr/>
+        </p:nvCxnSpPr>
+        <p:spPr>
+          <a:xfrm>
+            <a:off x="2933751" y="3648400"/>
+            <a:ext cx="147" cy="238557"/>
+          </a:xfrm>
+          <a:prstGeom prst="straightConnector1">
+            <a:avLst/>
+          </a:prstGeom>
+          <a:ln>
+            <a:solidFill>
+              <a:srgbClr val="FF66FF"/>
+            </a:solidFill>
+            <a:tailEnd type="triangle"/>
+          </a:ln>
+        </p:spPr>
+        <p:style>
+          <a:lnRef idx="1">
+            <a:schemeClr val="accent1"/>
+          </a:lnRef>
+          <a:fillRef idx="0">
+            <a:schemeClr val="accent1"/>
+          </a:fillRef>
+          <a:effectRef idx="0">
+            <a:schemeClr val="accent1"/>
+          </a:effectRef>
+          <a:fontRef idx="minor">
+            <a:schemeClr val="tx1"/>
+          </a:fontRef>
+        </p:style>
+      </p:cxnSp>
+      <p:cxnSp>
+        <p:nvCxnSpPr>
+          <p:cNvPr id="69" name="Straight Arrow Connector 68">
+            <a:extLst>
+              <a:ext uri="{FF2B5EF4-FFF2-40B4-BE49-F238E27FC236}">
+                <a16:creationId xmlns:a16="http://schemas.microsoft.com/office/drawing/2014/main" id="{FACF40EC-D4E0-491E-9EA6-7EAFFF2072DD}"/>
+              </a:ext>
+            </a:extLst>
+          </p:cNvPr>
+          <p:cNvCxnSpPr>
+            <a:cxnSpLocks/>
+            <a:stCxn id="61" idx="3"/>
+            <a:endCxn id="63" idx="1"/>
+          </p:cNvCxnSpPr>
+          <p:nvPr/>
+        </p:nvCxnSpPr>
+        <p:spPr>
+          <a:xfrm flipV="1">
+            <a:off x="3841270" y="4343654"/>
+            <a:ext cx="1128958" cy="503"/>
+          </a:xfrm>
+          <a:prstGeom prst="straightConnector1">
+            <a:avLst/>
+          </a:prstGeom>
+          <a:ln>
+            <a:solidFill>
+              <a:srgbClr val="FF66FF"/>
+            </a:solidFill>
+            <a:tailEnd type="triangle"/>
+          </a:ln>
+        </p:spPr>
+        <p:style>
+          <a:lnRef idx="1">
+            <a:schemeClr val="accent1"/>
+          </a:lnRef>
+          <a:fillRef idx="0">
+            <a:schemeClr val="accent1"/>
+          </a:fillRef>
+          <a:effectRef idx="0">
+            <a:schemeClr val="accent1"/>
+          </a:effectRef>
+          <a:fontRef idx="minor">
+            <a:schemeClr val="tx1"/>
+          </a:fontRef>
+        </p:style>
+      </p:cxnSp>
+      <p:sp>
+        <p:nvSpPr>
+          <p:cNvPr id="77" name="TextBox 76">
+            <a:extLst>
+              <a:ext uri="{FF2B5EF4-FFF2-40B4-BE49-F238E27FC236}">
+                <a16:creationId xmlns:a16="http://schemas.microsoft.com/office/drawing/2014/main" id="{34668AC2-A64B-4DC3-9D26-7B95D582EE3D}"/>
+              </a:ext>
+            </a:extLst>
+          </p:cNvPr>
+          <p:cNvSpPr txBox="1"/>
+          <p:nvPr/>
+        </p:nvSpPr>
+        <p:spPr>
+          <a:xfrm>
+            <a:off x="3018414" y="3620085"/>
+            <a:ext cx="1620312" cy="276999"/>
+          </a:xfrm>
+          <a:prstGeom prst="rect">
+            <a:avLst/>
+          </a:prstGeom>
+          <a:noFill/>
+        </p:spPr>
+        <p:txBody>
+          <a:bodyPr wrap="square" rtlCol="0">
+            <a:spAutoFit/>
+          </a:bodyPr>
+          <a:lstStyle/>
+          <a:p>
+            <a:r>
+              <a:rPr lang="en-GB" sz="1200" dirty="0"/>
+              <a:t>6-12 policies</a:t>
+            </a:r>
+          </a:p>
+        </p:txBody>
+      </p:sp>
+      <p:sp>
+        <p:nvSpPr>
+          <p:cNvPr id="79" name="TextBox 78">
+            <a:extLst>
+              <a:ext uri="{FF2B5EF4-FFF2-40B4-BE49-F238E27FC236}">
+                <a16:creationId xmlns:a16="http://schemas.microsoft.com/office/drawing/2014/main" id="{C770B928-7C31-40DC-AEFC-C9F32B5F2C95}"/>
+              </a:ext>
+            </a:extLst>
+          </p:cNvPr>
+          <p:cNvSpPr txBox="1"/>
+          <p:nvPr/>
+        </p:nvSpPr>
+        <p:spPr>
+          <a:xfrm>
+            <a:off x="3778156" y="4091505"/>
+            <a:ext cx="1620312" cy="276999"/>
+          </a:xfrm>
+          <a:prstGeom prst="rect">
+            <a:avLst/>
+          </a:prstGeom>
+          <a:noFill/>
+        </p:spPr>
+        <p:txBody>
+          <a:bodyPr wrap="square" rtlCol="0">
+            <a:spAutoFit/>
+          </a:bodyPr>
+          <a:lstStyle/>
+          <a:p>
+            <a:r>
+              <a:rPr lang="en-GB" sz="1200" dirty="0"/>
+              <a:t>5 policies</a:t>
+            </a:r>
+          </a:p>
+        </p:txBody>
+      </p:sp>
+      <p:sp>
+        <p:nvSpPr>
+          <p:cNvPr id="80" name="TextBox 79">
+            <a:extLst>
+              <a:ext uri="{FF2B5EF4-FFF2-40B4-BE49-F238E27FC236}">
+                <a16:creationId xmlns:a16="http://schemas.microsoft.com/office/drawing/2014/main" id="{A23F3173-69A5-417A-9B5A-BB940C620394}"/>
+              </a:ext>
+            </a:extLst>
+          </p:cNvPr>
+          <p:cNvSpPr txBox="1"/>
+          <p:nvPr/>
+        </p:nvSpPr>
+        <p:spPr>
+          <a:xfrm>
+            <a:off x="8291907" y="2129434"/>
+            <a:ext cx="1620312" cy="276999"/>
+          </a:xfrm>
+          <a:prstGeom prst="rect">
+            <a:avLst/>
+          </a:prstGeom>
+          <a:noFill/>
+        </p:spPr>
+        <p:txBody>
+          <a:bodyPr wrap="square" rtlCol="0">
+            <a:spAutoFit/>
+          </a:bodyPr>
+          <a:lstStyle/>
+          <a:p>
+            <a:r>
+              <a:rPr lang="en-GB" sz="1200" dirty="0"/>
+              <a:t>6 scenarios</a:t>
+            </a:r>
+          </a:p>
+        </p:txBody>
+      </p:sp>
+      <p:sp>
+        <p:nvSpPr>
+          <p:cNvPr id="81" name="TextBox 80">
+            <a:extLst>
+              <a:ext uri="{FF2B5EF4-FFF2-40B4-BE49-F238E27FC236}">
+                <a16:creationId xmlns:a16="http://schemas.microsoft.com/office/drawing/2014/main" id="{9BC73A0C-F7A1-402A-A774-5F0BA5975890}"/>
+              </a:ext>
+            </a:extLst>
+          </p:cNvPr>
+          <p:cNvSpPr txBox="1"/>
+          <p:nvPr/>
+        </p:nvSpPr>
+        <p:spPr>
+          <a:xfrm>
+            <a:off x="4532749" y="2504696"/>
+            <a:ext cx="1814744" cy="276999"/>
+          </a:xfrm>
+          <a:prstGeom prst="rect">
+            <a:avLst/>
+          </a:prstGeom>
+          <a:noFill/>
+        </p:spPr>
+        <p:txBody>
+          <a:bodyPr wrap="square" rtlCol="0">
+            <a:spAutoFit/>
+          </a:bodyPr>
+          <a:lstStyle/>
+          <a:p>
+            <a:r>
+              <a:rPr lang="en-GB" sz="1200" dirty="0"/>
+              <a:t>1000 scenarios per policy</a:t>
+            </a:r>
+          </a:p>
+        </p:txBody>
+      </p:sp>
+      <p:sp>
+        <p:nvSpPr>
+          <p:cNvPr id="88" name="Rectangle: Rounded Corners 87">
+            <a:extLst>
+              <a:ext uri="{FF2B5EF4-FFF2-40B4-BE49-F238E27FC236}">
+                <a16:creationId xmlns:a16="http://schemas.microsoft.com/office/drawing/2014/main" id="{63D1D41F-F5FF-4A7A-9085-832E6E8F7FB5}"/>
+              </a:ext>
+            </a:extLst>
+          </p:cNvPr>
+          <p:cNvSpPr/>
+          <p:nvPr/>
+        </p:nvSpPr>
+        <p:spPr>
+          <a:xfrm>
+            <a:off x="6370514" y="5417837"/>
+            <a:ext cx="2173947" cy="914400"/>
+          </a:xfrm>
+          <a:prstGeom prst="roundRect">
+            <a:avLst/>
+          </a:prstGeom>
+          <a:solidFill>
+            <a:srgbClr val="FF99FF"/>
+          </a:solidFill>
+          <a:ln>
+            <a:solidFill>
+              <a:srgbClr val="FF66FF"/>
+            </a:solidFill>
+          </a:ln>
+        </p:spPr>
+        <p:style>
+          <a:lnRef idx="2">
+            <a:schemeClr val="accent1">
+              <a:shade val="50000"/>
+            </a:schemeClr>
+          </a:lnRef>
+          <a:fillRef idx="1">
+            <a:schemeClr val="accent1"/>
+          </a:fillRef>
+          <a:effectRef idx="0">
+            <a:schemeClr val="accent1"/>
+          </a:effectRef>
+          <a:fontRef idx="minor">
+            <a:schemeClr val="lt1"/>
+          </a:fontRef>
+        </p:style>
+        <p:txBody>
+          <a:bodyPr rtlCol="0" anchor="ctr"/>
+          <a:lstStyle/>
+          <a:p>
+            <a:pPr algn="ctr"/>
+            <a:r>
+              <a:rPr lang="en-GB" dirty="0"/>
+              <a:t>Qualitative assessment</a:t>
+            </a:r>
+          </a:p>
+        </p:txBody>
+      </p:sp>
+      <p:cxnSp>
+        <p:nvCxnSpPr>
+          <p:cNvPr id="89" name="Straight Arrow Connector 88">
+            <a:extLst>
+              <a:ext uri="{FF2B5EF4-FFF2-40B4-BE49-F238E27FC236}">
+                <a16:creationId xmlns:a16="http://schemas.microsoft.com/office/drawing/2014/main" id="{47ED1AA9-A256-4BB6-8B96-5529CA2033C8}"/>
+              </a:ext>
+            </a:extLst>
+          </p:cNvPr>
+          <p:cNvCxnSpPr>
+            <a:cxnSpLocks/>
+            <a:endCxn id="88" idx="0"/>
+          </p:cNvCxnSpPr>
+          <p:nvPr/>
+        </p:nvCxnSpPr>
+        <p:spPr>
+          <a:xfrm flipH="1">
+            <a:off x="7457488" y="4897919"/>
+            <a:ext cx="1" cy="519918"/>
+          </a:xfrm>
+          <a:prstGeom prst="straightConnector1">
+            <a:avLst/>
+          </a:prstGeom>
+          <a:ln>
+            <a:solidFill>
+              <a:srgbClr val="FF66FF"/>
+            </a:solidFill>
+            <a:tailEnd type="triangle"/>
+          </a:ln>
+        </p:spPr>
+        <p:style>
+          <a:lnRef idx="1">
+            <a:schemeClr val="accent1"/>
+          </a:lnRef>
+          <a:fillRef idx="0">
+            <a:schemeClr val="accent1"/>
+          </a:fillRef>
+          <a:effectRef idx="0">
+            <a:schemeClr val="accent1"/>
+          </a:effectRef>
+          <a:fontRef idx="minor">
+            <a:schemeClr val="tx1"/>
+          </a:fontRef>
+        </p:style>
+      </p:cxnSp>
+      <p:sp>
+        <p:nvSpPr>
+          <p:cNvPr id="90" name="Rectangle: Rounded Corners 89">
+            <a:extLst>
+              <a:ext uri="{FF2B5EF4-FFF2-40B4-BE49-F238E27FC236}">
+                <a16:creationId xmlns:a16="http://schemas.microsoft.com/office/drawing/2014/main" id="{E48FCEED-BDD4-4005-BCEC-886FFCBF0CE3}"/>
+              </a:ext>
+            </a:extLst>
+          </p:cNvPr>
+          <p:cNvSpPr/>
+          <p:nvPr/>
+        </p:nvSpPr>
+        <p:spPr>
+          <a:xfrm>
+            <a:off x="94055" y="835153"/>
+            <a:ext cx="1457564" cy="893136"/>
+          </a:xfrm>
+          <a:prstGeom prst="roundRect">
+            <a:avLst/>
+          </a:prstGeom>
+          <a:solidFill>
+            <a:srgbClr val="FF99FF"/>
+          </a:solidFill>
+          <a:ln>
+            <a:solidFill>
+              <a:srgbClr val="FF66FF"/>
+            </a:solidFill>
+          </a:ln>
+        </p:spPr>
+        <p:style>
+          <a:lnRef idx="2">
+            <a:schemeClr val="accent1">
+              <a:shade val="50000"/>
+            </a:schemeClr>
+          </a:lnRef>
+          <a:fillRef idx="1">
+            <a:schemeClr val="accent1"/>
+          </a:fillRef>
+          <a:effectRef idx="0">
+            <a:schemeClr val="accent1"/>
+          </a:effectRef>
+          <a:fontRef idx="minor">
+            <a:schemeClr val="lt1"/>
+          </a:fontRef>
+        </p:style>
+        <p:txBody>
+          <a:bodyPr rtlCol="0" anchor="ctr"/>
+          <a:lstStyle/>
+          <a:p>
+            <a:pPr algn="ctr"/>
+            <a:r>
+              <a:rPr lang="en-GB" dirty="0"/>
+              <a:t>Model specification</a:t>
+            </a:r>
+          </a:p>
+        </p:txBody>
+      </p:sp>
+    </p:spTree>
+    <p:extLst>
+      <p:ext uri="{BB962C8B-B14F-4D97-AF65-F5344CB8AC3E}">
+        <p14:creationId xmlns:p14="http://schemas.microsoft.com/office/powerpoint/2010/main" val="1381969597"/>
+      </p:ext>
+    </p:extLst>
+  </p:cSld>
+  <p:clrMapOvr>
+    <a:masterClrMapping/>
+  </p:clrMapOvr>
+</p:sld>
+</file>
+
 <file path=ppt/theme/theme1.xml><?xml version="1.0" encoding="utf-8"?>
 <a:theme xmlns:a="http://schemas.openxmlformats.org/drawingml/2006/main" name="Office Theme">
   <a:themeElements>

--- a/report/figures/methodology.pptx
+++ b/report/figures/methodology.pptx
@@ -267,7 +267,7 @@
           <a:p>
             <a:fld id="{D918C84F-5000-4BD5-98FC-FEF3364E41FE}" type="datetimeFigureOut">
               <a:rPr lang="en-GB" smtClean="0"/>
-              <a:t>17/06/2021</a:t>
+              <a:t>18/06/2021</a:t>
             </a:fld>
             <a:endParaRPr lang="en-GB"/>
           </a:p>
@@ -467,7 +467,7 @@
           <a:p>
             <a:fld id="{D918C84F-5000-4BD5-98FC-FEF3364E41FE}" type="datetimeFigureOut">
               <a:rPr lang="en-GB" smtClean="0"/>
-              <a:t>17/06/2021</a:t>
+              <a:t>18/06/2021</a:t>
             </a:fld>
             <a:endParaRPr lang="en-GB"/>
           </a:p>
@@ -677,7 +677,7 @@
           <a:p>
             <a:fld id="{D918C84F-5000-4BD5-98FC-FEF3364E41FE}" type="datetimeFigureOut">
               <a:rPr lang="en-GB" smtClean="0"/>
-              <a:t>17/06/2021</a:t>
+              <a:t>18/06/2021</a:t>
             </a:fld>
             <a:endParaRPr lang="en-GB"/>
           </a:p>
@@ -877,7 +877,7 @@
           <a:p>
             <a:fld id="{D918C84F-5000-4BD5-98FC-FEF3364E41FE}" type="datetimeFigureOut">
               <a:rPr lang="en-GB" smtClean="0"/>
-              <a:t>17/06/2021</a:t>
+              <a:t>18/06/2021</a:t>
             </a:fld>
             <a:endParaRPr lang="en-GB"/>
           </a:p>
@@ -1153,7 +1153,7 @@
           <a:p>
             <a:fld id="{D918C84F-5000-4BD5-98FC-FEF3364E41FE}" type="datetimeFigureOut">
               <a:rPr lang="en-GB" smtClean="0"/>
-              <a:t>17/06/2021</a:t>
+              <a:t>18/06/2021</a:t>
             </a:fld>
             <a:endParaRPr lang="en-GB"/>
           </a:p>
@@ -1421,7 +1421,7 @@
           <a:p>
             <a:fld id="{D918C84F-5000-4BD5-98FC-FEF3364E41FE}" type="datetimeFigureOut">
               <a:rPr lang="en-GB" smtClean="0"/>
-              <a:t>17/06/2021</a:t>
+              <a:t>18/06/2021</a:t>
             </a:fld>
             <a:endParaRPr lang="en-GB"/>
           </a:p>
@@ -1836,7 +1836,7 @@
           <a:p>
             <a:fld id="{D918C84F-5000-4BD5-98FC-FEF3364E41FE}" type="datetimeFigureOut">
               <a:rPr lang="en-GB" smtClean="0"/>
-              <a:t>17/06/2021</a:t>
+              <a:t>18/06/2021</a:t>
             </a:fld>
             <a:endParaRPr lang="en-GB"/>
           </a:p>
@@ -1978,7 +1978,7 @@
           <a:p>
             <a:fld id="{D918C84F-5000-4BD5-98FC-FEF3364E41FE}" type="datetimeFigureOut">
               <a:rPr lang="en-GB" smtClean="0"/>
-              <a:t>17/06/2021</a:t>
+              <a:t>18/06/2021</a:t>
             </a:fld>
             <a:endParaRPr lang="en-GB"/>
           </a:p>
@@ -2091,7 +2091,7 @@
           <a:p>
             <a:fld id="{D918C84F-5000-4BD5-98FC-FEF3364E41FE}" type="datetimeFigureOut">
               <a:rPr lang="en-GB" smtClean="0"/>
-              <a:t>17/06/2021</a:t>
+              <a:t>18/06/2021</a:t>
             </a:fld>
             <a:endParaRPr lang="en-GB"/>
           </a:p>
@@ -2404,7 +2404,7 @@
           <a:p>
             <a:fld id="{D918C84F-5000-4BD5-98FC-FEF3364E41FE}" type="datetimeFigureOut">
               <a:rPr lang="en-GB" smtClean="0"/>
-              <a:t>17/06/2021</a:t>
+              <a:t>18/06/2021</a:t>
             </a:fld>
             <a:endParaRPr lang="en-GB"/>
           </a:p>
@@ -2693,7 +2693,7 @@
           <a:p>
             <a:fld id="{D918C84F-5000-4BD5-98FC-FEF3364E41FE}" type="datetimeFigureOut">
               <a:rPr lang="en-GB" smtClean="0"/>
-              <a:t>17/06/2021</a:t>
+              <a:t>18/06/2021</a:t>
             </a:fld>
             <a:endParaRPr lang="en-GB"/>
           </a:p>
@@ -2936,7 +2936,7 @@
           <a:p>
             <a:fld id="{D918C84F-5000-4BD5-98FC-FEF3364E41FE}" type="datetimeFigureOut">
               <a:rPr lang="en-GB" smtClean="0"/>
-              <a:t>17/06/2021</a:t>
+              <a:t>18/06/2021</a:t>
             </a:fld>
             <a:endParaRPr lang="en-GB"/>
           </a:p>
@@ -9048,7 +9048,14 @@
             <a:pPr algn="ctr"/>
             <a:r>
               <a:rPr lang="en-GB" dirty="0"/>
-              <a:t>Uncertainty analysis</a:t>
+              <a:t>Sensitivity</a:t>
+            </a:r>
+          </a:p>
+          <a:p>
+            <a:pPr algn="ctr"/>
+            <a:r>
+              <a:rPr lang="en-GB" dirty="0"/>
+              <a:t>analysis</a:t>
             </a:r>
           </a:p>
         </p:txBody>
@@ -9466,7 +9473,7 @@
         </p:nvSpPr>
         <p:spPr>
           <a:xfrm>
-            <a:off x="3120354" y="651104"/>
+            <a:off x="2998367" y="625468"/>
             <a:ext cx="1620312" cy="276999"/>
           </a:xfrm>
           <a:prstGeom prst="rect">
@@ -9802,7 +9809,7 @@
             <a:pPr algn="ctr"/>
             <a:r>
               <a:rPr lang="en-GB" dirty="0"/>
-              <a:t>Uncertainty analysis</a:t>
+              <a:t>Sensitivity analysis</a:t>
             </a:r>
           </a:p>
         </p:txBody>
@@ -9948,8 +9955,8 @@
         </p:nvSpPr>
         <p:spPr>
           <a:xfrm>
-            <a:off x="3778156" y="4091505"/>
-            <a:ext cx="1620312" cy="276999"/>
+            <a:off x="4047343" y="4081599"/>
+            <a:ext cx="801494" cy="276999"/>
           </a:xfrm>
           <a:prstGeom prst="rect">
             <a:avLst/>
@@ -10018,7 +10025,7 @@
         </p:nvSpPr>
         <p:spPr>
           <a:xfrm>
-            <a:off x="4532749" y="2504696"/>
+            <a:off x="4599738" y="2504687"/>
             <a:ext cx="1814744" cy="276999"/>
           </a:xfrm>
           <a:prstGeom prst="rect">

--- a/report/figures/methodology.pptx
+++ b/report/figures/methodology.pptx
@@ -9169,7 +9169,7 @@
             <a:pPr algn="ctr"/>
             <a:r>
               <a:rPr lang="en-GB" dirty="0"/>
-              <a:t>Re-evaluate with other formulations</a:t>
+              <a:t>Re-evaluate under other formulations</a:t>
             </a:r>
           </a:p>
         </p:txBody>
@@ -10201,6 +10201,45 @@
             <a:r>
               <a:rPr lang="en-GB" dirty="0"/>
               <a:t>Model specification</a:t>
+            </a:r>
+          </a:p>
+        </p:txBody>
+      </p:sp>
+      <p:sp>
+        <p:nvSpPr>
+          <p:cNvPr id="33" name="TextBox 32">
+            <a:extLst>
+              <a:ext uri="{FF2B5EF4-FFF2-40B4-BE49-F238E27FC236}">
+                <a16:creationId xmlns:a16="http://schemas.microsoft.com/office/drawing/2014/main" id="{4D7D48AE-7216-40CA-BE88-5845D0CDFA53}"/>
+              </a:ext>
+            </a:extLst>
+          </p:cNvPr>
+          <p:cNvSpPr txBox="1"/>
+          <p:nvPr/>
+        </p:nvSpPr>
+        <p:spPr>
+          <a:xfrm>
+            <a:off x="4915397" y="5029799"/>
+            <a:ext cx="1637308" cy="369332"/>
+          </a:xfrm>
+          <a:prstGeom prst="rect">
+            <a:avLst/>
+          </a:prstGeom>
+          <a:noFill/>
+        </p:spPr>
+        <p:txBody>
+          <a:bodyPr wrap="none" rtlCol="0">
+            <a:spAutoFit/>
+          </a:bodyPr>
+          <a:lstStyle/>
+          <a:p>
+            <a:r>
+              <a:rPr lang="en-GB" dirty="0">
+                <a:solidFill>
+                  <a:srgbClr val="FF66FF"/>
+                </a:solidFill>
+              </a:rPr>
+              <a:t>Policy synthesis</a:t>
             </a:r>
           </a:p>
         </p:txBody>
